--- a/preliminary/Working/presentations/KeyStone_2_ Bootloader_v2.pptx
+++ b/preliminary/Working/presentations/KeyStone_2_ Bootloader_v2.pptx
@@ -5,7 +5,7 @@
     <p:sldMasterId id="2147483660" r:id="rId1"/>
   </p:sldMasterIdLst>
   <p:notesMasterIdLst>
-    <p:notesMasterId r:id="rId62"/>
+    <p:notesMasterId r:id="rId61"/>
   </p:notesMasterIdLst>
   <p:sldIdLst>
     <p:sldId id="256" r:id="rId2"/>
@@ -42,37 +42,36 @@
     <p:sldId id="360" r:id="rId33"/>
     <p:sldId id="361" r:id="rId34"/>
     <p:sldId id="428" r:id="rId35"/>
-    <p:sldId id="429" r:id="rId36"/>
-    <p:sldId id="430" r:id="rId37"/>
-    <p:sldId id="333" r:id="rId38"/>
-    <p:sldId id="334" r:id="rId39"/>
-    <p:sldId id="427" r:id="rId40"/>
-    <p:sldId id="414" r:id="rId41"/>
-    <p:sldId id="401" r:id="rId42"/>
-    <p:sldId id="408" r:id="rId43"/>
-    <p:sldId id="409" r:id="rId44"/>
-    <p:sldId id="439" r:id="rId45"/>
-    <p:sldId id="364" r:id="rId46"/>
-    <p:sldId id="426" r:id="rId47"/>
-    <p:sldId id="365" r:id="rId48"/>
-    <p:sldId id="440" r:id="rId49"/>
-    <p:sldId id="412" r:id="rId50"/>
-    <p:sldId id="415" r:id="rId51"/>
-    <p:sldId id="416" r:id="rId52"/>
-    <p:sldId id="417" r:id="rId53"/>
-    <p:sldId id="418" r:id="rId54"/>
-    <p:sldId id="326" r:id="rId55"/>
-    <p:sldId id="432" r:id="rId56"/>
-    <p:sldId id="433" r:id="rId57"/>
-    <p:sldId id="431" r:id="rId58"/>
-    <p:sldId id="434" r:id="rId59"/>
-    <p:sldId id="435" r:id="rId60"/>
-    <p:sldId id="413" r:id="rId61"/>
+    <p:sldId id="441" r:id="rId36"/>
+    <p:sldId id="429" r:id="rId37"/>
+    <p:sldId id="430" r:id="rId38"/>
+    <p:sldId id="442" r:id="rId39"/>
+    <p:sldId id="414" r:id="rId40"/>
+    <p:sldId id="401" r:id="rId41"/>
+    <p:sldId id="408" r:id="rId42"/>
+    <p:sldId id="409" r:id="rId43"/>
+    <p:sldId id="439" r:id="rId44"/>
+    <p:sldId id="364" r:id="rId45"/>
+    <p:sldId id="426" r:id="rId46"/>
+    <p:sldId id="365" r:id="rId47"/>
+    <p:sldId id="440" r:id="rId48"/>
+    <p:sldId id="412" r:id="rId49"/>
+    <p:sldId id="415" r:id="rId50"/>
+    <p:sldId id="416" r:id="rId51"/>
+    <p:sldId id="417" r:id="rId52"/>
+    <p:sldId id="418" r:id="rId53"/>
+    <p:sldId id="326" r:id="rId54"/>
+    <p:sldId id="432" r:id="rId55"/>
+    <p:sldId id="433" r:id="rId56"/>
+    <p:sldId id="431" r:id="rId57"/>
+    <p:sldId id="434" r:id="rId58"/>
+    <p:sldId id="435" r:id="rId59"/>
+    <p:sldId id="413" r:id="rId60"/>
   </p:sldIdLst>
   <p:sldSz cx="9144000" cy="6858000" type="screen4x3"/>
   <p:notesSz cx="7010400" cy="9296400"/>
   <p:custDataLst>
-    <p:tags r:id="rId63"/>
+    <p:tags r:id="rId62"/>
   </p:custDataLst>
   <p:defaultTextStyle>
     <a:defPPr>
@@ -261,7 +260,7 @@
             <a:fld id="{1D310453-BEF8-464E-9AFA-92080550FFC9}" type="datetimeFigureOut">
               <a:rPr lang="en-US" smtClean="0"/>
               <a:pPr/>
-              <a:t>8/8/2013</a:t>
+              <a:t>8/14/2013</a:t>
             </a:fld>
             <a:endParaRPr lang="en-US" dirty="0"/>
           </a:p>
@@ -432,7 +431,7 @@
     </p:spTree>
     <p:extLst>
       <p:ext uri="{BB962C8B-B14F-4D97-AF65-F5344CB8AC3E}">
-        <p14:creationId xmlns="" xmlns:p14="http://schemas.microsoft.com/office/powerpoint/2010/main" val="1113577564"/>
+        <p14:creationId xmlns:p14="http://schemas.microsoft.com/office/powerpoint/2010/main" xmlns="" val="1113577564"/>
       </p:ext>
     </p:extLst>
   </p:cSld>
@@ -1208,7 +1207,7 @@
       </p:grpSpPr>
       <p:sp>
         <p:nvSpPr>
-          <p:cNvPr id="87042" name="Rectangle 2"/>
+          <p:cNvPr id="109570" name="Rectangle 2"/>
           <p:cNvSpPr>
             <a:spLocks noGrp="1" noRot="1" noChangeAspect="1" noChangeArrowheads="1" noTextEdit="1"/>
           </p:cNvSpPr>
@@ -1222,7 +1221,7 @@
       </p:sp>
       <p:sp>
         <p:nvSpPr>
-          <p:cNvPr id="87043" name="Rectangle 3"/>
+          <p:cNvPr id="109571" name="Rectangle 3"/>
           <p:cNvSpPr>
             <a:spLocks noGrp="1" noChangeArrowheads="1"/>
           </p:cNvSpPr>
@@ -1328,126 +1327,6 @@
       </p:grpSpPr>
       <p:sp>
         <p:nvSpPr>
-          <p:cNvPr id="87042" name="Rectangle 2"/>
-          <p:cNvSpPr>
-            <a:spLocks noGrp="1" noRot="1" noChangeAspect="1" noChangeArrowheads="1" noTextEdit="1"/>
-          </p:cNvSpPr>
-          <p:nvPr>
-            <p:ph type="sldImg"/>
-          </p:nvPr>
-        </p:nvSpPr>
-        <p:spPr>
-          <a:ln/>
-        </p:spPr>
-      </p:sp>
-      <p:sp>
-        <p:nvSpPr>
-          <p:cNvPr id="87043" name="Rectangle 3"/>
-          <p:cNvSpPr>
-            <a:spLocks noGrp="1" noChangeArrowheads="1"/>
-          </p:cNvSpPr>
-          <p:nvPr>
-            <p:ph type="body" idx="1"/>
-          </p:nvPr>
-        </p:nvSpPr>
-        <p:spPr>
-          <a:noFill/>
-        </p:spPr>
-        <p:txBody>
-          <a:bodyPr/>
-          <a:lstStyle/>
-          <a:p>
-            <a:endParaRPr lang="en-US" dirty="0" smtClean="0"/>
-          </a:p>
-        </p:txBody>
-      </p:sp>
-    </p:spTree>
-  </p:cSld>
-  <p:clrMapOvr>
-    <a:masterClrMapping/>
-  </p:clrMapOvr>
-</p:notes>
-</file>
-
-<file path=ppt/notesSlides/notesSlide21.xml><?xml version="1.0" encoding="utf-8"?>
-<p:notes xmlns:a="http://schemas.openxmlformats.org/drawingml/2006/main" xmlns:r="http://schemas.openxmlformats.org/officeDocument/2006/relationships" xmlns:p="http://schemas.openxmlformats.org/presentationml/2006/main">
-  <p:cSld>
-    <p:spTree>
-      <p:nvGrpSpPr>
-        <p:cNvPr id="1" name=""/>
-        <p:cNvGrpSpPr/>
-        <p:nvPr/>
-      </p:nvGrpSpPr>
-      <p:grpSpPr>
-        <a:xfrm>
-          <a:off x="0" y="0"/>
-          <a:ext cx="0" cy="0"/>
-          <a:chOff x="0" y="0"/>
-          <a:chExt cx="0" cy="0"/>
-        </a:xfrm>
-      </p:grpSpPr>
-      <p:sp>
-        <p:nvSpPr>
-          <p:cNvPr id="109570" name="Rectangle 2"/>
-          <p:cNvSpPr>
-            <a:spLocks noGrp="1" noRot="1" noChangeAspect="1" noChangeArrowheads="1" noTextEdit="1"/>
-          </p:cNvSpPr>
-          <p:nvPr>
-            <p:ph type="sldImg"/>
-          </p:nvPr>
-        </p:nvSpPr>
-        <p:spPr>
-          <a:ln/>
-        </p:spPr>
-      </p:sp>
-      <p:sp>
-        <p:nvSpPr>
-          <p:cNvPr id="109571" name="Rectangle 3"/>
-          <p:cNvSpPr>
-            <a:spLocks noGrp="1" noChangeArrowheads="1"/>
-          </p:cNvSpPr>
-          <p:nvPr>
-            <p:ph type="body" idx="1"/>
-          </p:nvPr>
-        </p:nvSpPr>
-        <p:spPr>
-          <a:noFill/>
-        </p:spPr>
-        <p:txBody>
-          <a:bodyPr/>
-          <a:lstStyle/>
-          <a:p>
-            <a:endParaRPr lang="en-US" dirty="0" smtClean="0"/>
-          </a:p>
-        </p:txBody>
-      </p:sp>
-    </p:spTree>
-  </p:cSld>
-  <p:clrMapOvr>
-    <a:masterClrMapping/>
-  </p:clrMapOvr>
-</p:notes>
-</file>
-
-<file path=ppt/notesSlides/notesSlide22.xml><?xml version="1.0" encoding="utf-8"?>
-<p:notes xmlns:a="http://schemas.openxmlformats.org/drawingml/2006/main" xmlns:r="http://schemas.openxmlformats.org/officeDocument/2006/relationships" xmlns:p="http://schemas.openxmlformats.org/presentationml/2006/main">
-  <p:cSld>
-    <p:spTree>
-      <p:nvGrpSpPr>
-        <p:cNvPr id="1" name=""/>
-        <p:cNvGrpSpPr/>
-        <p:nvPr/>
-      </p:nvGrpSpPr>
-      <p:grpSpPr>
-        <a:xfrm>
-          <a:off x="0" y="0"/>
-          <a:ext cx="0" cy="0"/>
-          <a:chOff x="0" y="0"/>
-          <a:chExt cx="0" cy="0"/>
-        </a:xfrm>
-      </p:grpSpPr>
-      <p:sp>
-        <p:nvSpPr>
           <p:cNvPr id="110594" name="Rectangle 2"/>
           <p:cNvSpPr>
             <a:spLocks noGrp="1" noRot="1" noChangeAspect="1" noChangeArrowheads="1" noTextEdit="1"/>
@@ -1489,7 +1368,7 @@
 </p:notes>
 </file>
 
-<file path=ppt/notesSlides/notesSlide23.xml><?xml version="1.0" encoding="utf-8"?>
+<file path=ppt/notesSlides/notesSlide21.xml><?xml version="1.0" encoding="utf-8"?>
 <p:notes xmlns:a="http://schemas.openxmlformats.org/drawingml/2006/main" xmlns:r="http://schemas.openxmlformats.org/officeDocument/2006/relationships" xmlns:p="http://schemas.openxmlformats.org/presentationml/2006/main">
   <p:cSld>
     <p:spTree>
@@ -1549,7 +1428,7 @@
 </p:notes>
 </file>
 
-<file path=ppt/notesSlides/notesSlide24.xml><?xml version="1.0" encoding="utf-8"?>
+<file path=ppt/notesSlides/notesSlide22.xml><?xml version="1.0" encoding="utf-8"?>
 <p:notes xmlns:a="http://schemas.openxmlformats.org/drawingml/2006/main" xmlns:r="http://schemas.openxmlformats.org/officeDocument/2006/relationships" xmlns:p="http://schemas.openxmlformats.org/presentationml/2006/main">
   <p:cSld>
     <p:spTree>
@@ -3646,7 +3525,7 @@
     </p:spTree>
     <p:extLst>
       <p:ext uri="{BB962C8B-B14F-4D97-AF65-F5344CB8AC3E}">
-        <p14:creationId xmlns="" xmlns:p14="http://schemas.microsoft.com/office/powerpoint/2010/main" val="3355367219"/>
+        <p14:creationId xmlns:p14="http://schemas.microsoft.com/office/powerpoint/2010/main" xmlns="" val="3355367219"/>
       </p:ext>
     </p:extLst>
   </p:cSld>
@@ -3698,11 +3577,7 @@
             <a:pPr eaLnBrk="1" hangingPunct="1"/>
             <a:r>
               <a:rPr lang="en-US" sz="3600" dirty="0" smtClean="0"/>
-              <a:t>ARM - DSP </a:t>
-            </a:r>
-            <a:r>
-              <a:rPr lang="en-US" sz="3600" dirty="0" smtClean="0"/>
-              <a:t>Boot Loader (RBL)</a:t>
+              <a:t>ARM - DSP Boot Loader (RBL)</a:t>
             </a:r>
           </a:p>
         </p:txBody>
@@ -3737,13 +3612,8 @@
             <a:pPr eaLnBrk="1" hangingPunct="1"/>
             <a:r>
               <a:rPr lang="en-US" sz="2400" dirty="0" smtClean="0"/>
-              <a:t>RBL code is burned in the DSP ROM Base address </a:t>
-            </a:r>
-            <a:r>
-              <a:rPr lang="en-US" sz="2400" dirty="0" smtClean="0"/>
-              <a:t>0x20B00000 and ARM base address 0x00000000</a:t>
-            </a:r>
-            <a:endParaRPr lang="en-US" sz="2400" dirty="0" smtClean="0"/>
+              <a:t>RBL code is burned in the DSP ROM Base address 0x20B00000 and ARM base address 0x00000000</a:t>
+            </a:r>
           </a:p>
           <a:p>
             <a:pPr eaLnBrk="1" hangingPunct="1"/>
@@ -4366,7 +4236,7 @@
     </p:spTree>
     <p:extLst>
       <p:ext uri="{BB962C8B-B14F-4D97-AF65-F5344CB8AC3E}">
-        <p14:creationId xmlns="" xmlns:p14="http://schemas.microsoft.com/office/powerpoint/2010/main" val="2633229333"/>
+        <p14:creationId xmlns:p14="http://schemas.microsoft.com/office/powerpoint/2010/main" xmlns="" val="2633229333"/>
       </p:ext>
     </p:extLst>
   </p:cSld>
@@ -4474,7 +4344,7 @@
           <p:nvPr>
             <p:extLst>
               <p:ext uri="{D42A27DB-BD31-4B8C-83A1-F6EECF244321}">
-                <p14:modId xmlns:p14="http://schemas.microsoft.com/office/powerpoint/2010/main" xmlns="" val="1441650375"/>
+                <p14:modId xmlns="" xmlns:p14="http://schemas.microsoft.com/office/powerpoint/2010/main" val="1441650375"/>
               </p:ext>
             </p:extLst>
           </p:nvPr>
@@ -13517,7 +13387,7 @@
     </p:spTree>
     <p:extLst>
       <p:ext uri="{BB962C8B-B14F-4D97-AF65-F5344CB8AC3E}">
-        <p14:creationId xmlns:p14="http://schemas.microsoft.com/office/powerpoint/2010/main" xmlns="" val="2729496958"/>
+        <p14:creationId xmlns="" xmlns:p14="http://schemas.microsoft.com/office/powerpoint/2010/main" val="2729496958"/>
       </p:ext>
     </p:extLst>
   </p:cSld>
@@ -18745,7 +18615,7 @@
     </p:spTree>
     <p:extLst>
       <p:ext uri="{BB962C8B-B14F-4D97-AF65-F5344CB8AC3E}">
-        <p14:creationId xmlns="" xmlns:p14="http://schemas.microsoft.com/office/powerpoint/2010/main" val="1894024099"/>
+        <p14:creationId xmlns:p14="http://schemas.microsoft.com/office/powerpoint/2010/main" xmlns="" val="1894024099"/>
       </p:ext>
     </p:extLst>
   </p:cSld>
@@ -18811,7 +18681,7 @@
           <p:nvPr>
             <p:extLst>
               <p:ext uri="{D42A27DB-BD31-4B8C-83A1-F6EECF244321}">
-                <p14:modId xmlns="" xmlns:p14="http://schemas.microsoft.com/office/powerpoint/2010/main" val="3216633071"/>
+                <p14:modId xmlns:p14="http://schemas.microsoft.com/office/powerpoint/2010/main" xmlns="" val="3216633071"/>
               </p:ext>
             </p:extLst>
           </p:nvPr>
@@ -24896,7 +24766,7 @@
     </p:spTree>
     <p:extLst>
       <p:ext uri="{BB962C8B-B14F-4D97-AF65-F5344CB8AC3E}">
-        <p14:creationId xmlns="" xmlns:p14="http://schemas.microsoft.com/office/powerpoint/2010/main" val="4171260727"/>
+        <p14:creationId xmlns:p14="http://schemas.microsoft.com/office/powerpoint/2010/main" xmlns="" val="4171260727"/>
       </p:ext>
     </p:extLst>
   </p:cSld>
@@ -25037,7 +24907,7 @@
     </p:spTree>
     <p:extLst>
       <p:ext uri="{BB962C8B-B14F-4D97-AF65-F5344CB8AC3E}">
-        <p14:creationId xmlns="" xmlns:p14="http://schemas.microsoft.com/office/powerpoint/2010/main" val="4022532253"/>
+        <p14:creationId xmlns:p14="http://schemas.microsoft.com/office/powerpoint/2010/main" xmlns="" val="4022532253"/>
       </p:ext>
     </p:extLst>
   </p:cSld>
@@ -25256,7 +25126,7 @@
     </p:spTree>
     <p:extLst>
       <p:ext uri="{BB962C8B-B14F-4D97-AF65-F5344CB8AC3E}">
-        <p14:creationId xmlns="" xmlns:p14="http://schemas.microsoft.com/office/powerpoint/2010/main" val="3444391747"/>
+        <p14:creationId xmlns:p14="http://schemas.microsoft.com/office/powerpoint/2010/main" xmlns="" val="3444391747"/>
       </p:ext>
     </p:extLst>
   </p:cSld>
@@ -25501,7 +25371,7 @@
     </p:spTree>
     <p:extLst>
       <p:ext uri="{BB962C8B-B14F-4D97-AF65-F5344CB8AC3E}">
-        <p14:creationId xmlns="" xmlns:p14="http://schemas.microsoft.com/office/powerpoint/2010/main" val="4158068663"/>
+        <p14:creationId xmlns:p14="http://schemas.microsoft.com/office/powerpoint/2010/main" xmlns="" val="4158068663"/>
       </p:ext>
     </p:extLst>
   </p:cSld>
@@ -25816,7 +25686,7 @@
     </p:spTree>
     <p:extLst>
       <p:ext uri="{BB962C8B-B14F-4D97-AF65-F5344CB8AC3E}">
-        <p14:creationId xmlns="" xmlns:p14="http://schemas.microsoft.com/office/powerpoint/2010/main" val="1511859232"/>
+        <p14:creationId xmlns:p14="http://schemas.microsoft.com/office/powerpoint/2010/main" xmlns="" val="1511859232"/>
       </p:ext>
     </p:extLst>
   </p:cSld>
@@ -27321,7 +27191,7 @@
     </p:spTree>
     <p:extLst>
       <p:ext uri="{BB962C8B-B14F-4D97-AF65-F5344CB8AC3E}">
-        <p14:creationId xmlns:p14="http://schemas.microsoft.com/office/powerpoint/2010/main" xmlns="" val="692127360"/>
+        <p14:creationId xmlns="" xmlns:p14="http://schemas.microsoft.com/office/powerpoint/2010/main" val="692127360"/>
       </p:ext>
     </p:extLst>
   </p:cSld>
@@ -27546,19 +27416,7 @@
           <a:p>
             <a:r>
               <a:rPr lang="en-US" sz="2400" dirty="0" smtClean="0"/>
-              <a:t>For each section, the </a:t>
-            </a:r>
-            <a:r>
-              <a:rPr lang="en-US" sz="2400" dirty="0" smtClean="0"/>
-              <a:t>first 8 bytes </a:t>
-            </a:r>
-            <a:r>
-              <a:rPr lang="en-US" sz="2400" dirty="0" smtClean="0"/>
-              <a:t>of </a:t>
-            </a:r>
-            <a:r>
-              <a:rPr lang="en-US" sz="2400" dirty="0" smtClean="0"/>
-              <a:t>the Boot Table form the header:</a:t>
+              <a:t>For each section, the first 8 bytes of the Boot Table form the header:</a:t>
             </a:r>
           </a:p>
           <a:p>
@@ -27592,7 +27450,7 @@
     </p:spTree>
     <p:extLst>
       <p:ext uri="{BB962C8B-B14F-4D97-AF65-F5344CB8AC3E}">
-        <p14:creationId xmlns="" xmlns:p14="http://schemas.microsoft.com/office/powerpoint/2010/main" val="2946756144"/>
+        <p14:creationId xmlns:p14="http://schemas.microsoft.com/office/powerpoint/2010/main" xmlns="" val="2946756144"/>
       </p:ext>
     </p:extLst>
   </p:cSld>
@@ -27760,7 +27618,7 @@
     </p:spTree>
     <p:extLst>
       <p:ext uri="{BB962C8B-B14F-4D97-AF65-F5344CB8AC3E}">
-        <p14:creationId xmlns="" xmlns:p14="http://schemas.microsoft.com/office/powerpoint/2010/main" val="3173272230"/>
+        <p14:creationId xmlns:p14="http://schemas.microsoft.com/office/powerpoint/2010/main" xmlns="" val="3173272230"/>
       </p:ext>
     </p:extLst>
   </p:cSld>
@@ -27811,11 +27669,7 @@
           <a:p>
             <a:r>
               <a:rPr lang="en-US" dirty="0" smtClean="0"/>
-              <a:t>What about Slave </a:t>
-            </a:r>
-            <a:r>
-              <a:rPr lang="en-US" dirty="0" smtClean="0"/>
-              <a:t>Direct IO Modes</a:t>
+              <a:t>What about Slave Direct IO Modes</a:t>
             </a:r>
             <a:endParaRPr lang="en-US" dirty="0"/>
           </a:p>
@@ -27858,7 +27712,7 @@
     </p:spTree>
     <p:extLst>
       <p:ext uri="{BB962C8B-B14F-4D97-AF65-F5344CB8AC3E}">
-        <p14:creationId xmlns="" xmlns:p14="http://schemas.microsoft.com/office/powerpoint/2010/main" val="3173272230"/>
+        <p14:creationId xmlns:p14="http://schemas.microsoft.com/office/powerpoint/2010/main" xmlns="" val="3173272230"/>
       </p:ext>
     </p:extLst>
   </p:cSld>
@@ -27909,7 +27763,11 @@
           <a:p>
             <a:r>
               <a:rPr lang="en-US" sz="3600" dirty="0" smtClean="0"/>
-              <a:t>KeyStone II ARM Boot Image formats (1/4)</a:t>
+              <a:t>KeyStone II ARM Boot Image formats (</a:t>
+            </a:r>
+            <a:r>
+              <a:rPr lang="en-US" sz="3600" dirty="0" smtClean="0"/>
+              <a:t>1/5)</a:t>
             </a:r>
             <a:endParaRPr lang="en-US" sz="3600" dirty="0"/>
           </a:p>
@@ -28022,7 +27880,7 @@
     </p:spTree>
     <p:extLst>
       <p:ext uri="{BB962C8B-B14F-4D97-AF65-F5344CB8AC3E}">
-        <p14:creationId xmlns="" xmlns:p14="http://schemas.microsoft.com/office/powerpoint/2010/main" val="2301660566"/>
+        <p14:creationId xmlns:p14="http://schemas.microsoft.com/office/powerpoint/2010/main" xmlns="" val="2301660566"/>
       </p:ext>
     </p:extLst>
   </p:cSld>
@@ -28073,7 +27931,18 @@
           <a:p>
             <a:r>
               <a:rPr lang="en-US" sz="3600" dirty="0" smtClean="0"/>
-              <a:t>KeyStone II ARM Boot Image formats (2/4)</a:t>
+              <a:t>KeyStone II ARM Boot Image formats (</a:t>
+            </a:r>
+            <a:r>
+              <a:rPr lang="en-US" sz="3600" dirty="0" smtClean="0"/>
+              <a:t>2/5)</a:t>
+            </a:r>
+            <a:br>
+              <a:rPr lang="en-US" sz="3600" dirty="0" smtClean="0"/>
+            </a:br>
+            <a:r>
+              <a:rPr lang="en-US" sz="3600" dirty="0" smtClean="0"/>
+              <a:t>Tools</a:t>
             </a:r>
             <a:endParaRPr lang="en-US" sz="3600" dirty="0"/>
           </a:p>
@@ -28101,36 +27970,83 @@
           <a:p>
             <a:r>
               <a:rPr lang="en-US" sz="2400" dirty="0" smtClean="0"/>
-              <a:t>Tools to build the blob</a:t>
+              <a:t>a</a:t>
+            </a:r>
+            <a:r>
+              <a:rPr lang="en-US" sz="2400" dirty="0" smtClean="0"/>
+              <a:t>rmcl  </a:t>
             </a:r>
           </a:p>
           <a:p>
             <a:pPr lvl="1"/>
             <a:r>
               <a:rPr lang="en-US" sz="2000" dirty="0" smtClean="0"/>
-              <a:t>armhex – convert the .out file into an ASCII hex file</a:t>
+              <a:t>code generation tool for arm code</a:t>
             </a:r>
           </a:p>
           <a:p>
             <a:pPr lvl="1"/>
             <a:r>
               <a:rPr lang="en-US" sz="2000" dirty="0" smtClean="0"/>
-              <a:t>b2ccs.exe – converts the ASCII hex file into a CCS .dat format</a:t>
-            </a:r>
-          </a:p>
-          <a:p>
-            <a:pPr lvl="1"/>
+              <a:t>Location in </a:t>
+            </a:r>
             <a:r>
               <a:rPr lang="en-US" sz="2000" dirty="0" smtClean="0"/>
-              <a:t>ccs2bin.exe – converts the CCS .dat format to a blob which is used for UART or Ethernet boot</a:t>
-            </a:r>
-          </a:p>
-          <a:p>
-            <a:pPr lvl="1"/>
+              <a:t>ccs_v5_4_x\ccsv5\tools\compiler\arm_X.X.X\bin</a:t>
+            </a:r>
             <a:r>
               <a:rPr lang="en-US" sz="2000" dirty="0" smtClean="0"/>
               <a:t> </a:t>
             </a:r>
+          </a:p>
+          <a:p>
+            <a:r>
+              <a:rPr lang="en-US" sz="2400" dirty="0" smtClean="0"/>
+              <a:t>armhex </a:t>
+            </a:r>
+            <a:endParaRPr lang="en-US" sz="2400" dirty="0" smtClean="0"/>
+          </a:p>
+          <a:p>
+            <a:pPr lvl="1"/>
+            <a:r>
+              <a:rPr lang="en-US" sz="2000" dirty="0" smtClean="0"/>
+              <a:t> </a:t>
+            </a:r>
+            <a:r>
+              <a:rPr lang="en-US" sz="2000" dirty="0" smtClean="0"/>
+              <a:t>convert the .out file into an ASCII hex </a:t>
+            </a:r>
+            <a:r>
+              <a:rPr lang="en-US" sz="2000" dirty="0" smtClean="0"/>
+              <a:t>file</a:t>
+            </a:r>
+          </a:p>
+          <a:p>
+            <a:pPr lvl="1"/>
+            <a:r>
+              <a:rPr lang="en-US" sz="2000" dirty="0" smtClean="0"/>
+              <a:t>Location in ccs_v5_4_x\ccsv5\tools\compiler\arm_X.X.X\bin</a:t>
+            </a:r>
+          </a:p>
+          <a:p>
+            <a:pPr lvl="1"/>
+            <a:r>
+              <a:rPr lang="en-US" sz="2000" dirty="0" smtClean="0"/>
+              <a:t>Usage of armhex is described in </a:t>
+            </a:r>
+            <a:r>
+              <a:rPr lang="en-US" sz="2000" dirty="0" smtClean="0"/>
+              <a:t>SPNU118L – Arm Assembly language tools </a:t>
+            </a:r>
+            <a:endParaRPr lang="en-US" sz="2000" dirty="0" smtClean="0"/>
+          </a:p>
+          <a:p>
+            <a:pPr lvl="1"/>
+            <a:r>
+              <a:rPr lang="en-US" sz="2000" dirty="0" smtClean="0"/>
+              <a:t> </a:t>
+            </a:r>
+            <a:endParaRPr lang="en-US" sz="2000" dirty="0" smtClean="0"/>
           </a:p>
           <a:p>
             <a:pPr marL="354013" lvl="1" indent="0">
@@ -28143,7 +28059,7 @@
     </p:spTree>
     <p:extLst>
       <p:ext uri="{BB962C8B-B14F-4D97-AF65-F5344CB8AC3E}">
-        <p14:creationId xmlns="" xmlns:p14="http://schemas.microsoft.com/office/powerpoint/2010/main" val="2301660566"/>
+        <p14:creationId xmlns:p14="http://schemas.microsoft.com/office/powerpoint/2010/main" xmlns="" val="2301660566"/>
       </p:ext>
     </p:extLst>
   </p:cSld>
@@ -28194,7 +28110,18 @@
           <a:p>
             <a:r>
               <a:rPr lang="en-US" sz="3600" dirty="0" smtClean="0"/>
-              <a:t>KeyStone II ARM Boot Image formats (3/4)</a:t>
+              <a:t>KeyStone II ARM Boot Image formats </a:t>
+            </a:r>
+            <a:r>
+              <a:rPr lang="en-US" sz="3600" dirty="0" smtClean="0"/>
+              <a:t>(3/5)</a:t>
+            </a:r>
+            <a:br>
+              <a:rPr lang="en-US" sz="3600" dirty="0" smtClean="0"/>
+            </a:br>
+            <a:r>
+              <a:rPr lang="en-US" sz="3600" dirty="0" smtClean="0"/>
+              <a:t>More Utilities</a:t>
             </a:r>
             <a:endParaRPr lang="en-US" sz="3600" dirty="0"/>
           </a:p>
@@ -28212,8 +28139,8 @@
         </p:nvSpPr>
         <p:spPr>
           <a:xfrm>
-            <a:off x="333375" y="1185863"/>
-            <a:ext cx="8353425" cy="4692650"/>
+            <a:off x="333375" y="1185862"/>
+            <a:ext cx="8353425" cy="5062537"/>
           </a:xfrm>
         </p:spPr>
         <p:txBody>
@@ -28221,109 +28148,120 @@
           <a:lstStyle/>
           <a:p>
             <a:r>
+              <a:rPr lang="en-US" sz="2400" dirty="0" smtClean="0"/>
+              <a:t>b2ccs.exe </a:t>
+            </a:r>
+          </a:p>
+          <a:p>
+            <a:pPr lvl="1"/>
+            <a:r>
+              <a:rPr lang="en-US" sz="2000" dirty="0" smtClean="0"/>
+              <a:t>converts </a:t>
+            </a:r>
+            <a:r>
+              <a:rPr lang="en-US" sz="2000" dirty="0" smtClean="0"/>
+              <a:t>the ASCII hex file into a CCS .dat </a:t>
+            </a:r>
+            <a:r>
+              <a:rPr lang="en-US" sz="2000" dirty="0" smtClean="0"/>
+              <a:t>format</a:t>
+            </a:r>
+          </a:p>
+          <a:p>
+            <a:pPr lvl="1"/>
+            <a:r>
+              <a:rPr lang="en-US" sz="2000" dirty="0" smtClean="0"/>
+              <a:t>A format that CCS uses to load data via the CCS memory browser</a:t>
+            </a:r>
+          </a:p>
+          <a:p>
+            <a:pPr lvl="1"/>
+            <a:r>
+              <a:rPr lang="en-US" sz="2000" dirty="0" smtClean="0"/>
+              <a:t>Acting as intermediate format for boot</a:t>
+            </a:r>
+            <a:endParaRPr lang="en-US" sz="2000" dirty="0" smtClean="0"/>
+          </a:p>
+          <a:p>
+            <a:r>
+              <a:rPr lang="en-US" sz="2400" dirty="0" smtClean="0"/>
+              <a:t>ccs2bin.exe – </a:t>
+            </a:r>
+            <a:endParaRPr lang="en-US" sz="2400" dirty="0" smtClean="0"/>
+          </a:p>
+          <a:p>
+            <a:pPr lvl="1"/>
+            <a:r>
+              <a:rPr lang="en-US" sz="2000" dirty="0" smtClean="0"/>
+              <a:t>converts </a:t>
+            </a:r>
+            <a:r>
+              <a:rPr lang="en-US" sz="2000" dirty="0" smtClean="0"/>
+              <a:t>the CCS .dat format to a blob which is used for UART or Ethernet boot</a:t>
+            </a:r>
+          </a:p>
+          <a:p>
+            <a:r>
+              <a:rPr lang="en-US" sz="2400" dirty="0" smtClean="0"/>
+              <a:t>Hex6x</a:t>
+            </a:r>
+            <a:r>
               <a:rPr lang="en-US" sz="2800" dirty="0" smtClean="0"/>
-              <a:t>GP header format</a:t>
-            </a:r>
+              <a:t> </a:t>
+            </a:r>
+            <a:endParaRPr lang="en-US" sz="2800" dirty="0" smtClean="0"/>
           </a:p>
           <a:p>
             <a:pPr lvl="1"/>
             <a:r>
               <a:rPr lang="en-US" sz="2000" dirty="0" smtClean="0"/>
-              <a:t>Similar to boot table for DSP boot</a:t>
+              <a:t>Similar to armhex for DSP code</a:t>
             </a:r>
           </a:p>
           <a:p>
             <a:pPr lvl="1"/>
             <a:r>
               <a:rPr lang="en-US" sz="2000" dirty="0" smtClean="0"/>
-              <a:t>Unlike boot table there is no start address</a:t>
+              <a:t>converts </a:t>
+            </a:r>
+            <a:r>
+              <a:rPr lang="en-US" sz="2000" dirty="0" smtClean="0"/>
+              <a:t>out format into hex ASCII </a:t>
+            </a:r>
+            <a:r>
+              <a:rPr lang="en-US" sz="2000" dirty="0" smtClean="0"/>
+              <a:t>format</a:t>
             </a:r>
           </a:p>
           <a:p>
             <a:pPr lvl="1"/>
             <a:r>
               <a:rPr lang="en-US" sz="2000" dirty="0" smtClean="0"/>
-              <a:t>Format is</a:t>
-            </a:r>
-          </a:p>
-          <a:p>
-            <a:pPr marL="685800" lvl="2" indent="0">
+              <a:t>Hex6x is described in TI assembly tools User Guide  </a:t>
+            </a:r>
+            <a:r>
+              <a:rPr lang="en-US" sz="2000" dirty="0" smtClean="0">
+                <a:hlinkClick r:id="rId2"/>
+              </a:rPr>
+              <a:t>http://www.cs.cmu.edu/afs/cs/academic/class/15745-s05/www/c6xref/assembly.pdf</a:t>
+            </a:r>
+            <a:endParaRPr lang="en-US" sz="2000" dirty="0" smtClean="0"/>
+          </a:p>
+          <a:p>
+            <a:endParaRPr lang="en-US" sz="2400" dirty="0" smtClean="0"/>
+          </a:p>
+          <a:p>
+            <a:pPr marL="354013" lvl="1" indent="0">
               <a:buNone/>
             </a:pPr>
-            <a:r>
-              <a:rPr lang="en-US" sz="2000" dirty="0" smtClean="0"/>
-              <a:t>Block 0 length</a:t>
-            </a:r>
-          </a:p>
-          <a:p>
-            <a:pPr marL="685800" lvl="2" indent="0">
-              <a:buNone/>
-            </a:pPr>
-            <a:r>
-              <a:rPr lang="en-US" sz="2000" dirty="0" smtClean="0"/>
-              <a:t>Block 0 Base Address</a:t>
-            </a:r>
-          </a:p>
-          <a:p>
-            <a:pPr marL="685800" lvl="2" indent="0">
-              <a:buNone/>
-            </a:pPr>
-            <a:r>
-              <a:rPr lang="en-US" sz="2000" dirty="0" smtClean="0"/>
-              <a:t>Block 0 data</a:t>
-            </a:r>
-          </a:p>
-          <a:p>
-            <a:pPr marL="685800" lvl="2" indent="0">
-              <a:buNone/>
-            </a:pPr>
-            <a:r>
-              <a:rPr lang="en-US" sz="2000" dirty="0" smtClean="0"/>
-              <a:t>…</a:t>
-            </a:r>
-          </a:p>
-          <a:p>
-            <a:pPr marL="685800" lvl="2" indent="0">
-              <a:buNone/>
-            </a:pPr>
-            <a:r>
-              <a:rPr lang="en-US" sz="2000" dirty="0" smtClean="0"/>
-              <a:t>Block last length</a:t>
-            </a:r>
-          </a:p>
-          <a:p>
-            <a:pPr marL="685800" lvl="2" indent="0">
-              <a:buNone/>
-            </a:pPr>
-            <a:r>
-              <a:rPr lang="en-US" sz="2000" dirty="0" smtClean="0"/>
-              <a:t>Block last base address</a:t>
-            </a:r>
-          </a:p>
-          <a:p>
-            <a:pPr marL="685800" lvl="2" indent="0">
-              <a:buNone/>
-            </a:pPr>
-            <a:r>
-              <a:rPr lang="en-US" sz="2000" dirty="0" smtClean="0"/>
-              <a:t>Block last data</a:t>
-            </a:r>
-          </a:p>
-          <a:p>
-            <a:pPr marL="685800" lvl="2" indent="0">
-              <a:buNone/>
-            </a:pPr>
-            <a:r>
-              <a:rPr lang="en-US" sz="2000" dirty="0" smtClean="0"/>
-              <a:t>Termination (0 for block length)</a:t>
-            </a:r>
+            <a:endParaRPr lang="en-US" sz="2000" dirty="0" smtClean="0"/>
           </a:p>
         </p:txBody>
       </p:sp>
     </p:spTree>
     <p:extLst>
       <p:ext uri="{BB962C8B-B14F-4D97-AF65-F5344CB8AC3E}">
-        <p14:creationId xmlns="" xmlns:p14="http://schemas.microsoft.com/office/powerpoint/2010/main" val="2596406658"/>
+        <p14:creationId xmlns:p14="http://schemas.microsoft.com/office/powerpoint/2010/main" xmlns="" val="2301660566"/>
       </p:ext>
     </p:extLst>
   </p:cSld>
@@ -28374,7 +28312,11 @@
           <a:p>
             <a:r>
               <a:rPr lang="en-US" sz="3600" dirty="0" smtClean="0"/>
-              <a:t>KeyStone II ARM Boot Image formats (3/4)</a:t>
+              <a:t>KeyStone II ARM Boot Image formats </a:t>
+            </a:r>
+            <a:r>
+              <a:rPr lang="en-US" sz="3600" dirty="0" smtClean="0"/>
+              <a:t>(4/5)</a:t>
             </a:r>
             <a:endParaRPr lang="en-US" sz="3600" dirty="0"/>
           </a:p>
@@ -28392,8 +28334,8 @@
         </p:nvSpPr>
         <p:spPr>
           <a:xfrm>
-            <a:off x="381000" y="990600"/>
-            <a:ext cx="8353425" cy="5334000"/>
+            <a:off x="333375" y="1185863"/>
+            <a:ext cx="8353425" cy="4692650"/>
           </a:xfrm>
         </p:spPr>
         <p:txBody>
@@ -28402,79 +28344,108 @@
           <a:p>
             <a:r>
               <a:rPr lang="en-US" sz="2800" dirty="0" smtClean="0"/>
-              <a:t>Tools to build the GP format</a:t>
+              <a:t>GP header format</a:t>
             </a:r>
           </a:p>
           <a:p>
             <a:pPr lvl="1"/>
             <a:r>
               <a:rPr lang="en-US" sz="2000" dirty="0" smtClean="0"/>
-              <a:t>catccs – combines the data contents of two CCS .dat files while updating the CCS .dat header to be the correct combined length</a:t>
+              <a:t>Similar to boot table for DSP boot</a:t>
             </a:r>
           </a:p>
           <a:p>
             <a:pPr lvl="1"/>
             <a:r>
               <a:rPr lang="en-US" sz="2000" dirty="0" smtClean="0"/>
-              <a:t>ccsAddGphdr – adds a general purpose header to your CCS .dat file and also updates the CCS .dat header to account for the added 8 bytes of length</a:t>
-            </a:r>
-          </a:p>
-          <a:p>
-            <a:pPr lvl="2"/>
+              <a:t>Unlike boot table there is no start address</a:t>
+            </a:r>
+          </a:p>
+          <a:p>
+            <a:pPr lvl="1"/>
             <a:r>
               <a:rPr lang="en-US" sz="2000" dirty="0" smtClean="0"/>
-              <a:t>32 bits for the length of the data section</a:t>
-            </a:r>
-          </a:p>
-          <a:p>
-            <a:pPr lvl="2"/>
+              <a:t>Format is</a:t>
+            </a:r>
+          </a:p>
+          <a:p>
+            <a:pPr marL="685800" lvl="2" indent="0">
+              <a:buNone/>
+            </a:pPr>
             <a:r>
               <a:rPr lang="en-US" sz="2000" dirty="0" smtClean="0"/>
-              <a:t>32 bits for the destination address of the data section</a:t>
-            </a:r>
-          </a:p>
-          <a:p>
-            <a:pPr lvl="1"/>
+              <a:t>Block 0 length</a:t>
+            </a:r>
+          </a:p>
+          <a:p>
+            <a:pPr marL="685800" lvl="2" indent="0">
+              <a:buNone/>
+            </a:pPr>
             <a:r>
               <a:rPr lang="en-US" sz="2000" dirty="0" smtClean="0"/>
-              <a:t>ccsAddGptlr – adds a general purpose tail to your CCS .dat file and also updates the CCS .dat header to account for the added 8 bytes of length</a:t>
-            </a:r>
-          </a:p>
-          <a:p>
-            <a:pPr lvl="2"/>
+              <a:t>Block 0 Base Address</a:t>
+            </a:r>
+          </a:p>
+          <a:p>
+            <a:pPr marL="685800" lvl="2" indent="0">
+              <a:buNone/>
+            </a:pPr>
             <a:r>
               <a:rPr lang="en-US" sz="2000" dirty="0" smtClean="0"/>
-              <a:t>32 bits of all zeroes</a:t>
-            </a:r>
-          </a:p>
-          <a:p>
-            <a:pPr lvl="2"/>
+              <a:t>Block 0 data</a:t>
+            </a:r>
+          </a:p>
+          <a:p>
+            <a:pPr marL="685800" lvl="2" indent="0">
+              <a:buNone/>
+            </a:pPr>
             <a:r>
               <a:rPr lang="en-US" sz="2000" dirty="0" smtClean="0"/>
-              <a:t>32 bits of all zeroes</a:t>
-            </a:r>
-            <a:endParaRPr lang="en-US" sz="2400" dirty="0" smtClean="0"/>
-          </a:p>
-          <a:p>
-            <a:r>
-              <a:rPr lang="en-US" sz="2800" dirty="0" smtClean="0"/>
-              <a:t>During boot, once the end of table is reached, RBL jumps to the base address of the last block </a:t>
-            </a:r>
-          </a:p>
-          <a:p>
-            <a:pPr lvl="1"/>
-            <a:endParaRPr lang="en-US" sz="2400" dirty="0" smtClean="0"/>
-          </a:p>
-          <a:p>
-            <a:pPr lvl="1"/>
-            <a:endParaRPr lang="en-US" sz="2400" dirty="0" smtClean="0"/>
+              <a:t>…</a:t>
+            </a:r>
+          </a:p>
+          <a:p>
+            <a:pPr marL="685800" lvl="2" indent="0">
+              <a:buNone/>
+            </a:pPr>
+            <a:r>
+              <a:rPr lang="en-US" sz="2000" dirty="0" smtClean="0"/>
+              <a:t>Block last length</a:t>
+            </a:r>
+          </a:p>
+          <a:p>
+            <a:pPr marL="685800" lvl="2" indent="0">
+              <a:buNone/>
+            </a:pPr>
+            <a:r>
+              <a:rPr lang="en-US" sz="2000" dirty="0" smtClean="0"/>
+              <a:t>Block last base address</a:t>
+            </a:r>
+          </a:p>
+          <a:p>
+            <a:pPr marL="685800" lvl="2" indent="0">
+              <a:buNone/>
+            </a:pPr>
+            <a:r>
+              <a:rPr lang="en-US" sz="2000" dirty="0" smtClean="0"/>
+              <a:t>Block last data</a:t>
+            </a:r>
+          </a:p>
+          <a:p>
+            <a:pPr marL="685800" lvl="2" indent="0">
+              <a:buNone/>
+            </a:pPr>
+            <a:r>
+              <a:rPr lang="en-US" sz="2000" dirty="0" smtClean="0"/>
+              <a:t>Termination (0 for block length)</a:t>
+            </a:r>
           </a:p>
         </p:txBody>
       </p:sp>
     </p:spTree>
     <p:extLst>
       <p:ext uri="{BB962C8B-B14F-4D97-AF65-F5344CB8AC3E}">
-        <p14:creationId xmlns="" xmlns:p14="http://schemas.microsoft.com/office/powerpoint/2010/main" val="2596406658"/>
+        <p14:creationId xmlns:p14="http://schemas.microsoft.com/office/powerpoint/2010/main" xmlns="" val="2596406658"/>
       </p:ext>
     </p:extLst>
   </p:cSld>
@@ -28510,7 +28481,7 @@
       </p:grpSpPr>
       <p:sp>
         <p:nvSpPr>
-          <p:cNvPr id="7170" name="Title 1"/>
+          <p:cNvPr id="2" name="Title 1"/>
           <p:cNvSpPr>
             <a:spLocks noGrp="1"/>
           </p:cNvSpPr>
@@ -28523,17 +28494,21 @@
           <a:bodyPr/>
           <a:lstStyle/>
           <a:p>
-            <a:pPr eaLnBrk="1" hangingPunct="1"/>
-            <a:r>
-              <a:rPr lang="en-US" sz="3200" dirty="0" smtClean="0"/>
-              <a:t>Tool Support (1/3)</a:t>
-            </a:r>
+            <a:r>
+              <a:rPr lang="en-US" sz="3600" dirty="0" smtClean="0"/>
+              <a:t>KeyStone II ARM Boot Image formats </a:t>
+            </a:r>
+            <a:r>
+              <a:rPr lang="en-US" sz="3600" dirty="0" smtClean="0"/>
+              <a:t>(5/5)</a:t>
+            </a:r>
+            <a:endParaRPr lang="en-US" sz="3600" dirty="0"/>
           </a:p>
         </p:txBody>
       </p:sp>
       <p:sp>
         <p:nvSpPr>
-          <p:cNvPr id="7171" name="Text Placeholder 2"/>
+          <p:cNvPr id="3" name="Text Placeholder 2"/>
           <p:cNvSpPr>
             <a:spLocks noGrp="1"/>
           </p:cNvSpPr>
@@ -28543,101 +28518,91 @@
         </p:nvSpPr>
         <p:spPr>
           <a:xfrm>
-            <a:off x="333375" y="838201"/>
-            <a:ext cx="8505825" cy="5410200"/>
+            <a:off x="381000" y="990600"/>
+            <a:ext cx="8353425" cy="5334000"/>
           </a:xfrm>
         </p:spPr>
         <p:txBody>
           <a:bodyPr/>
           <a:lstStyle/>
           <a:p>
-            <a:pPr eaLnBrk="1" hangingPunct="1"/>
             <a:r>
               <a:rPr lang="en-US" sz="2800" dirty="0" smtClean="0"/>
-              <a:t>DSP code is generated by TI code generation family and has XXX.out format</a:t>
-            </a:r>
-          </a:p>
-          <a:p>
-            <a:pPr lvl="1" eaLnBrk="1" hangingPunct="1"/>
-            <a:r>
-              <a:rPr lang="en-US" sz="2400" dirty="0" smtClean="0"/>
-              <a:t>Coeff format was TI proprietary format</a:t>
-            </a:r>
-          </a:p>
-          <a:p>
-            <a:pPr lvl="1" eaLnBrk="1" hangingPunct="1"/>
-            <a:r>
-              <a:rPr lang="en-US" sz="2400" dirty="0" smtClean="0"/>
-              <a:t>Alf (eabi) is an industry standard format </a:t>
-            </a:r>
-            <a:endParaRPr lang="en-US" sz="2000" dirty="0" smtClean="0"/>
+              <a:t>Tools to build the GP format</a:t>
+            </a:r>
+          </a:p>
+          <a:p>
+            <a:pPr lvl="1"/>
+            <a:r>
+              <a:rPr lang="en-US" sz="2000" dirty="0" smtClean="0"/>
+              <a:t>catccs – combines the data contents of two CCS .dat files while updating the CCS .dat header to be the correct combined length</a:t>
+            </a:r>
+          </a:p>
+          <a:p>
+            <a:pPr lvl="1"/>
+            <a:r>
+              <a:rPr lang="en-US" sz="2000" dirty="0" smtClean="0"/>
+              <a:t>ccsAddGphdr – adds a general purpose header to your CCS .dat file and also updates the CCS .dat header to account for the added 8 bytes of length</a:t>
+            </a:r>
+          </a:p>
+          <a:p>
+            <a:pPr lvl="2"/>
+            <a:r>
+              <a:rPr lang="en-US" sz="2000" dirty="0" smtClean="0"/>
+              <a:t>32 bits for the length of the data section</a:t>
+            </a:r>
+          </a:p>
+          <a:p>
+            <a:pPr lvl="2"/>
+            <a:r>
+              <a:rPr lang="en-US" sz="2000" dirty="0" smtClean="0"/>
+              <a:t>32 bits for the destination address of the data section</a:t>
+            </a:r>
+          </a:p>
+          <a:p>
+            <a:pPr lvl="1"/>
+            <a:r>
+              <a:rPr lang="en-US" sz="2000" dirty="0" smtClean="0"/>
+              <a:t>ccsAddGptlr – adds a general purpose tail to your CCS .dat file and also updates the CCS .dat header to account for the added 8 bytes of length</a:t>
+            </a:r>
+          </a:p>
+          <a:p>
+            <a:pPr lvl="2"/>
+            <a:r>
+              <a:rPr lang="en-US" sz="2000" dirty="0" smtClean="0"/>
+              <a:t>32 bits of all zeroes</a:t>
+            </a:r>
+          </a:p>
+          <a:p>
+            <a:pPr lvl="2"/>
+            <a:r>
+              <a:rPr lang="en-US" sz="2000" dirty="0" smtClean="0"/>
+              <a:t>32 bits of all zeroes</a:t>
+            </a:r>
+            <a:endParaRPr lang="en-US" sz="2400" dirty="0" smtClean="0"/>
           </a:p>
           <a:p>
             <a:r>
               <a:rPr lang="en-US" sz="2800" dirty="0" smtClean="0"/>
-              <a:t>Hex6x tool converts out format into hex ASCII format</a:t>
-            </a:r>
-          </a:p>
-          <a:p>
-            <a:r>
-              <a:rPr lang="en-US" sz="2800" dirty="0" smtClean="0"/>
-              <a:t>It can produce these output file formats:</a:t>
+              <a:t>During boot, once the end of table is reached, RBL jumps to the base address of the last block </a:t>
             </a:r>
           </a:p>
           <a:p>
             <a:pPr lvl="1"/>
-            <a:r>
-              <a:rPr lang="en-US" sz="2000" dirty="0" smtClean="0"/>
-              <a:t> ASCII-Hex, supporting 16-bit addresses</a:t>
-            </a:r>
+            <a:endParaRPr lang="en-US" sz="2400" dirty="0" smtClean="0"/>
           </a:p>
           <a:p>
             <a:pPr lvl="1"/>
-            <a:r>
-              <a:rPr lang="en-US" sz="2000" dirty="0" smtClean="0"/>
-              <a:t> Extended Tektronix (Tektronix)</a:t>
-            </a:r>
-          </a:p>
-          <a:p>
-            <a:pPr lvl="1"/>
-            <a:r>
-              <a:rPr lang="en-US" sz="2000" dirty="0" smtClean="0"/>
-              <a:t> Intel MCS-86 (Intel)</a:t>
-            </a:r>
-          </a:p>
-          <a:p>
-            <a:pPr lvl="1"/>
-            <a:r>
-              <a:rPr lang="en-US" sz="2000" dirty="0" smtClean="0"/>
-              <a:t> Motorola Exorciser (Motorola-S), supporting 16-bit addresses</a:t>
-            </a:r>
-          </a:p>
-          <a:p>
-            <a:pPr lvl="1"/>
-            <a:r>
-              <a:rPr lang="en-US" sz="2000" dirty="0" smtClean="0"/>
-              <a:t> Texas Instruments SDSMAC (TI-Tagged), supporting 16-bit addresses</a:t>
-            </a:r>
-          </a:p>
-          <a:p>
-            <a:pPr lvl="1" eaLnBrk="1" hangingPunct="1"/>
-            <a:endParaRPr lang="en-US" sz="2400" dirty="0" smtClean="0"/>
-          </a:p>
-          <a:p>
-            <a:pPr lvl="1" eaLnBrk="1" hangingPunct="1"/>
-            <a:endParaRPr lang="en-US" sz="1200" dirty="0" smtClean="0"/>
-          </a:p>
-          <a:p>
-            <a:pPr eaLnBrk="1" hangingPunct="1"/>
-            <a:endParaRPr lang="en-US" dirty="0" smtClean="0"/>
-          </a:p>
-          <a:p>
-            <a:pPr eaLnBrk="1" hangingPunct="1"/>
             <a:endParaRPr lang="en-US" sz="2400" dirty="0" smtClean="0"/>
           </a:p>
         </p:txBody>
       </p:sp>
     </p:spTree>
+    <p:extLst>
+      <p:ext uri="{BB962C8B-B14F-4D97-AF65-F5344CB8AC3E}">
+        <p14:creationId xmlns:p14="http://schemas.microsoft.com/office/powerpoint/2010/main" xmlns="" val="2596406658"/>
+      </p:ext>
+    </p:extLst>
   </p:cSld>
   <p:clrMapOvr>
     <a:masterClrMapping/>
@@ -28653,129 +28618,6 @@
 </file>
 
 <file path=ppt/slides/slide38.xml><?xml version="1.0" encoding="utf-8"?>
-<p:sld xmlns:a="http://schemas.openxmlformats.org/drawingml/2006/main" xmlns:r="http://schemas.openxmlformats.org/officeDocument/2006/relationships" xmlns:p="http://schemas.openxmlformats.org/presentationml/2006/main">
-  <p:cSld>
-    <p:spTree>
-      <p:nvGrpSpPr>
-        <p:cNvPr id="1" name=""/>
-        <p:cNvGrpSpPr/>
-        <p:nvPr/>
-      </p:nvGrpSpPr>
-      <p:grpSpPr>
-        <a:xfrm>
-          <a:off x="0" y="0"/>
-          <a:ext cx="0" cy="0"/>
-          <a:chOff x="0" y="0"/>
-          <a:chExt cx="0" cy="0"/>
-        </a:xfrm>
-      </p:grpSpPr>
-      <p:sp>
-        <p:nvSpPr>
-          <p:cNvPr id="7170" name="Title 1"/>
-          <p:cNvSpPr>
-            <a:spLocks noGrp="1"/>
-          </p:cNvSpPr>
-          <p:nvPr>
-            <p:ph type="title"/>
-          </p:nvPr>
-        </p:nvSpPr>
-        <p:spPr/>
-        <p:txBody>
-          <a:bodyPr/>
-          <a:lstStyle/>
-          <a:p>
-            <a:pPr eaLnBrk="1" hangingPunct="1"/>
-            <a:r>
-              <a:rPr lang="en-US" sz="3200" dirty="0" smtClean="0"/>
-              <a:t>Tool Support (2/3)</a:t>
-            </a:r>
-          </a:p>
-        </p:txBody>
-      </p:sp>
-      <p:sp>
-        <p:nvSpPr>
-          <p:cNvPr id="7171" name="Text Placeholder 2"/>
-          <p:cNvSpPr>
-            <a:spLocks noGrp="1"/>
-          </p:cNvSpPr>
-          <p:nvPr>
-            <p:ph type="body" sz="half" idx="1"/>
-          </p:nvPr>
-        </p:nvSpPr>
-        <p:spPr>
-          <a:xfrm>
-            <a:off x="333375" y="838201"/>
-            <a:ext cx="8505825" cy="5410200"/>
-          </a:xfrm>
-        </p:spPr>
-        <p:txBody>
-          <a:bodyPr/>
-          <a:lstStyle/>
-          <a:p>
-            <a:pPr eaLnBrk="1" hangingPunct="1"/>
-            <a:r>
-              <a:rPr lang="en-US" dirty="0" smtClean="0"/>
-              <a:t>Hex6x is described in TI assembly tools User Guide  </a:t>
-            </a:r>
-            <a:r>
-              <a:rPr lang="en-US" dirty="0" smtClean="0">
-                <a:hlinkClick r:id="rId3"/>
-              </a:rPr>
-              <a:t>http://www.cs.cmu.edu/afs/cs/academic/class/15745-s05/www/c6xref/assembly.pdf</a:t>
-            </a:r>
-            <a:r>
-              <a:rPr lang="en-US" dirty="0" smtClean="0"/>
-              <a:t> </a:t>
-            </a:r>
-          </a:p>
-          <a:p>
-            <a:pPr eaLnBrk="1" hangingPunct="1"/>
-            <a:r>
-              <a:rPr lang="en-US" sz="2800" dirty="0" smtClean="0"/>
-              <a:t>Armhex is similar to hex6x and is described in ARM Assembly Language tool User Guide (SPNU118L)</a:t>
-            </a:r>
-          </a:p>
-          <a:p>
-            <a:pPr eaLnBrk="1" hangingPunct="1"/>
-            <a:r>
-              <a:rPr lang="en-US" sz="2800" dirty="0" smtClean="0"/>
-              <a:t>The next slide shows a sample of hex converter out for booting from 8-bit SPI boot</a:t>
-            </a:r>
-          </a:p>
-          <a:p>
-            <a:pPr lvl="1" eaLnBrk="1" hangingPunct="1"/>
-            <a:endParaRPr lang="en-US" sz="2400" dirty="0" smtClean="0"/>
-          </a:p>
-          <a:p>
-            <a:pPr lvl="1" eaLnBrk="1" hangingPunct="1"/>
-            <a:endParaRPr lang="en-US" sz="1200" dirty="0" smtClean="0"/>
-          </a:p>
-          <a:p>
-            <a:pPr eaLnBrk="1" hangingPunct="1"/>
-            <a:endParaRPr lang="en-US" dirty="0" smtClean="0"/>
-          </a:p>
-          <a:p>
-            <a:pPr eaLnBrk="1" hangingPunct="1"/>
-            <a:endParaRPr lang="en-US" sz="2400" dirty="0" smtClean="0"/>
-          </a:p>
-        </p:txBody>
-      </p:sp>
-    </p:spTree>
-  </p:cSld>
-  <p:clrMapOvr>
-    <a:masterClrMapping/>
-  </p:clrMapOvr>
-  <p:timing>
-    <p:tnLst>
-      <p:par>
-        <p:cTn id="1" dur="indefinite" restart="never" nodeType="tmRoot"/>
-      </p:par>
-    </p:tnLst>
-  </p:timing>
-</p:sld>
-</file>
-
-<file path=ppt/slides/slide39.xml><?xml version="1.0" encoding="utf-8"?>
 <p:sld xmlns:a="http://schemas.openxmlformats.org/drawingml/2006/main" xmlns:r="http://schemas.openxmlformats.org/officeDocument/2006/relationships" xmlns:p="http://schemas.openxmlformats.org/presentationml/2006/main">
   <p:cSld>
     <p:spTree>
@@ -28809,8 +28651,8 @@
         </p:blipFill>
         <p:spPr bwMode="auto">
           <a:xfrm>
-            <a:off x="1447800" y="693144"/>
-            <a:ext cx="6534150" cy="5721944"/>
+            <a:off x="1219200" y="1143000"/>
+            <a:ext cx="6076950" cy="5321575"/>
           </a:xfrm>
           <a:prstGeom prst="rect">
             <a:avLst/>
@@ -28824,11 +28666,180 @@
           </a:ln>
         </p:spPr>
       </p:pic>
+      <p:sp>
+        <p:nvSpPr>
+          <p:cNvPr id="3" name="Title 2"/>
+          <p:cNvSpPr>
+            <a:spLocks noGrp="1"/>
+          </p:cNvSpPr>
+          <p:nvPr>
+            <p:ph type="title"/>
+          </p:nvPr>
+        </p:nvSpPr>
+        <p:spPr/>
+        <p:txBody>
+          <a:bodyPr/>
+          <a:lstStyle/>
+          <a:p>
+            <a:r>
+              <a:rPr lang="en-US" sz="3600" dirty="0" smtClean="0"/>
+              <a:t>Hex Converter out for 8-bit SPI boot</a:t>
+            </a:r>
+            <a:br>
+              <a:rPr lang="en-US" sz="3600" dirty="0" smtClean="0"/>
+            </a:br>
+            <a:r>
+              <a:rPr lang="en-US" sz="2800" dirty="0" smtClean="0"/>
+              <a:t>Taken from SPNU118L Chapter 12</a:t>
+            </a:r>
+            <a:endParaRPr lang="en-US" sz="2800" dirty="0"/>
+          </a:p>
+        </p:txBody>
+      </p:sp>
     </p:spTree>
   </p:cSld>
   <p:clrMapOvr>
     <a:masterClrMapping/>
   </p:clrMapOvr>
+  <p:timing>
+    <p:tnLst>
+      <p:par>
+        <p:cTn id="1" dur="indefinite" restart="never" nodeType="tmRoot"/>
+      </p:par>
+    </p:tnLst>
+  </p:timing>
+</p:sld>
+</file>
+
+<file path=ppt/slides/slide39.xml><?xml version="1.0" encoding="utf-8"?>
+<p:sld xmlns:a="http://schemas.openxmlformats.org/drawingml/2006/main" xmlns:r="http://schemas.openxmlformats.org/officeDocument/2006/relationships" xmlns:p="http://schemas.openxmlformats.org/presentationml/2006/main" show="0">
+  <p:cSld>
+    <p:spTree>
+      <p:nvGrpSpPr>
+        <p:cNvPr id="1" name=""/>
+        <p:cNvGrpSpPr/>
+        <p:nvPr/>
+      </p:nvGrpSpPr>
+      <p:grpSpPr>
+        <a:xfrm>
+          <a:off x="0" y="0"/>
+          <a:ext cx="0" cy="0"/>
+          <a:chOff x="0" y="0"/>
+          <a:chExt cx="0" cy="0"/>
+        </a:xfrm>
+      </p:grpSpPr>
+      <p:sp>
+        <p:nvSpPr>
+          <p:cNvPr id="2" name="Title 1"/>
+          <p:cNvSpPr>
+            <a:spLocks noGrp="1"/>
+          </p:cNvSpPr>
+          <p:nvPr>
+            <p:ph type="title"/>
+          </p:nvPr>
+        </p:nvSpPr>
+        <p:spPr/>
+        <p:txBody>
+          <a:bodyPr/>
+          <a:lstStyle/>
+          <a:p>
+            <a:r>
+              <a:rPr lang="en-US" sz="3600" dirty="0" smtClean="0"/>
+              <a:t>DSP Tool Support</a:t>
+            </a:r>
+            <a:endParaRPr lang="en-US" sz="3600" dirty="0"/>
+          </a:p>
+        </p:txBody>
+      </p:sp>
+      <p:sp>
+        <p:nvSpPr>
+          <p:cNvPr id="3" name="Text Placeholder 2"/>
+          <p:cNvSpPr>
+            <a:spLocks noGrp="1"/>
+          </p:cNvSpPr>
+          <p:nvPr>
+            <p:ph type="body" sz="half" idx="1"/>
+          </p:nvPr>
+        </p:nvSpPr>
+        <p:spPr>
+          <a:xfrm>
+            <a:off x="333375" y="1033463"/>
+            <a:ext cx="8048625" cy="5367337"/>
+          </a:xfrm>
+        </p:spPr>
+        <p:txBody>
+          <a:bodyPr/>
+          <a:lstStyle/>
+          <a:p>
+            <a:r>
+              <a:rPr lang="en-US" sz="2400" dirty="0" smtClean="0"/>
+              <a:t>Building the boot table:</a:t>
+            </a:r>
+          </a:p>
+          <a:p>
+            <a:pPr lvl="1"/>
+            <a:r>
+              <a:rPr lang="en-US" sz="2400" dirty="0" smtClean="0"/>
+              <a:t>If the EVM is set in little endian mode, convert the boot table to big endian mode (used by the RBL) using the </a:t>
+            </a:r>
+            <a:r>
+              <a:rPr lang="en-US" sz="2400" b="1" dirty="0" smtClean="0"/>
+              <a:t>bconvert64x</a:t>
+            </a:r>
+            <a:r>
+              <a:rPr lang="en-US" sz="2400" dirty="0" smtClean="0"/>
+              <a:t> utility (available in MCSDK).</a:t>
+            </a:r>
+          </a:p>
+          <a:p>
+            <a:r>
+              <a:rPr lang="en-US" sz="2400" dirty="0" smtClean="0"/>
+              <a:t>Convert to an I2C format (to be loaded into the EEPROM) using the </a:t>
+            </a:r>
+            <a:r>
+              <a:rPr lang="en-US" sz="2400" b="1" dirty="0" smtClean="0"/>
+              <a:t>b2i2c</a:t>
+            </a:r>
+            <a:r>
+              <a:rPr lang="en-US" sz="2400" dirty="0" smtClean="0"/>
+              <a:t> utility (available in MCSDK).</a:t>
+            </a:r>
+          </a:p>
+          <a:p>
+            <a:r>
+              <a:rPr lang="en-US" sz="2400" dirty="0" smtClean="0"/>
+              <a:t>Append the boot parameter table to the boot table using </a:t>
+            </a:r>
+            <a:r>
+              <a:rPr lang="en-US" sz="2400" b="1" dirty="0" smtClean="0"/>
+              <a:t>romparse</a:t>
+            </a:r>
+            <a:r>
+              <a:rPr lang="en-US" sz="2400" dirty="0" smtClean="0"/>
+              <a:t> (Available in MCSDK), which uses a map file to retrieve the boot parameter tables.</a:t>
+            </a:r>
+            <a:endParaRPr lang="en-US" sz="2400" dirty="0"/>
+          </a:p>
+        </p:txBody>
+      </p:sp>
+    </p:spTree>
+    <p:extLst>
+      <p:ext uri="{BB962C8B-B14F-4D97-AF65-F5344CB8AC3E}">
+        <p14:creationId xmlns:p14="http://schemas.microsoft.com/office/powerpoint/2010/main" xmlns="" val="417217655"/>
+      </p:ext>
+    </p:extLst>
+  </p:cSld>
+  <p:clrMapOvr>
+    <a:masterClrMapping/>
+  </p:clrMapOvr>
+  <mc:AlternateContent xmlns:mc="http://schemas.openxmlformats.org/markup-compatibility/2006">
+    <mc:Choice xmlns:p14="http://schemas.microsoft.com/office/powerpoint/2010/main" xmlns="" Requires="p14">
+      <p:transition spd="slow" p14:dur="2000"/>
+    </mc:Choice>
+    <mc:Fallback>
+      <p:transition spd="slow"/>
+    </mc:Fallback>
+  </mc:AlternateContent>
   <p:timing>
     <p:tnLst>
       <p:par>
@@ -28937,145 +28948,6 @@
 </file>
 
 <file path=ppt/slides/slide40.xml><?xml version="1.0" encoding="utf-8"?>
-<p:sld xmlns:a="http://schemas.openxmlformats.org/drawingml/2006/main" xmlns:r="http://schemas.openxmlformats.org/officeDocument/2006/relationships" xmlns:p="http://schemas.openxmlformats.org/presentationml/2006/main" show="0">
-  <p:cSld>
-    <p:spTree>
-      <p:nvGrpSpPr>
-        <p:cNvPr id="1" name=""/>
-        <p:cNvGrpSpPr/>
-        <p:nvPr/>
-      </p:nvGrpSpPr>
-      <p:grpSpPr>
-        <a:xfrm>
-          <a:off x="0" y="0"/>
-          <a:ext cx="0" cy="0"/>
-          <a:chOff x="0" y="0"/>
-          <a:chExt cx="0" cy="0"/>
-        </a:xfrm>
-      </p:grpSpPr>
-      <p:sp>
-        <p:nvSpPr>
-          <p:cNvPr id="2" name="Title 1"/>
-          <p:cNvSpPr>
-            <a:spLocks noGrp="1"/>
-          </p:cNvSpPr>
-          <p:nvPr>
-            <p:ph type="title"/>
-          </p:nvPr>
-        </p:nvSpPr>
-        <p:spPr/>
-        <p:txBody>
-          <a:bodyPr/>
-          <a:lstStyle/>
-          <a:p>
-            <a:r>
-              <a:rPr lang="en-US" sz="3600" dirty="0" smtClean="0"/>
-              <a:t>Tool Support (3/3)</a:t>
-            </a:r>
-            <a:endParaRPr lang="en-US" sz="3600" dirty="0"/>
-          </a:p>
-        </p:txBody>
-      </p:sp>
-      <p:sp>
-        <p:nvSpPr>
-          <p:cNvPr id="3" name="Text Placeholder 2"/>
-          <p:cNvSpPr>
-            <a:spLocks noGrp="1"/>
-          </p:cNvSpPr>
-          <p:nvPr>
-            <p:ph type="body" sz="half" idx="1"/>
-          </p:nvPr>
-        </p:nvSpPr>
-        <p:spPr>
-          <a:xfrm>
-            <a:off x="333375" y="1033463"/>
-            <a:ext cx="8048625" cy="5367337"/>
-          </a:xfrm>
-        </p:spPr>
-        <p:txBody>
-          <a:bodyPr/>
-          <a:lstStyle/>
-          <a:p>
-            <a:r>
-              <a:rPr lang="en-US" sz="2400" dirty="0" smtClean="0"/>
-              <a:t>Building the boot table:</a:t>
-            </a:r>
-          </a:p>
-          <a:p>
-            <a:pPr lvl="1"/>
-            <a:r>
-              <a:rPr lang="en-US" sz="2400" dirty="0" smtClean="0"/>
-              <a:t>If the EVM is set in little endian mode, convert the boot table to big endian mode (used by the RBL) using the </a:t>
-            </a:r>
-            <a:r>
-              <a:rPr lang="en-US" sz="2400" b="1" dirty="0" smtClean="0"/>
-              <a:t>bconvert64x</a:t>
-            </a:r>
-            <a:r>
-              <a:rPr lang="en-US" sz="2400" dirty="0" smtClean="0"/>
-              <a:t> utility (available in MCSDK).</a:t>
-            </a:r>
-          </a:p>
-          <a:p>
-            <a:r>
-              <a:rPr lang="en-US" sz="2400" dirty="0" smtClean="0"/>
-              <a:t>Convert to an I2C format (to be loaded into the EEPROM) using the </a:t>
-            </a:r>
-            <a:r>
-              <a:rPr lang="en-US" sz="2400" b="1" dirty="0" smtClean="0"/>
-              <a:t>b2i2c</a:t>
-            </a:r>
-            <a:r>
-              <a:rPr lang="en-US" sz="2400" dirty="0" smtClean="0"/>
-              <a:t> utility (available in MCSDK).</a:t>
-            </a:r>
-          </a:p>
-          <a:p>
-            <a:r>
-              <a:rPr lang="en-US" sz="2400" dirty="0" smtClean="0"/>
-              <a:t>Append the boot parameter table to the boot table using </a:t>
-            </a:r>
-            <a:r>
-              <a:rPr lang="en-US" sz="2400" b="1" dirty="0" smtClean="0"/>
-              <a:t>romparse</a:t>
-            </a:r>
-            <a:r>
-              <a:rPr lang="en-US" sz="2400" dirty="0" smtClean="0"/>
-              <a:t> (Available in MCSDK), which uses a map file to retrieve the boot parameter tables.</a:t>
-            </a:r>
-            <a:endParaRPr lang="en-US" sz="2400" dirty="0"/>
-          </a:p>
-        </p:txBody>
-      </p:sp>
-    </p:spTree>
-    <p:extLst>
-      <p:ext uri="{BB962C8B-B14F-4D97-AF65-F5344CB8AC3E}">
-        <p14:creationId xmlns="" xmlns:p14="http://schemas.microsoft.com/office/powerpoint/2010/main" val="417217655"/>
-      </p:ext>
-    </p:extLst>
-  </p:cSld>
-  <p:clrMapOvr>
-    <a:masterClrMapping/>
-  </p:clrMapOvr>
-  <mc:AlternateContent xmlns:mc="http://schemas.openxmlformats.org/markup-compatibility/2006">
-    <mc:Choice xmlns="" xmlns:p14="http://schemas.microsoft.com/office/powerpoint/2010/main" Requires="p14">
-      <p:transition spd="slow" p14:dur="2000"/>
-    </mc:Choice>
-    <mc:Fallback>
-      <p:transition spd="slow"/>
-    </mc:Fallback>
-  </mc:AlternateContent>
-  <p:timing>
-    <p:tnLst>
-      <p:par>
-        <p:cTn id="1" dur="indefinite" restart="never" nodeType="tmRoot"/>
-      </p:par>
-    </p:tnLst>
-  </p:timing>
-</p:sld>
-</file>
-
-<file path=ppt/slides/slide41.xml><?xml version="1.0" encoding="utf-8"?>
 <p:sld xmlns:a="http://schemas.openxmlformats.org/drawingml/2006/main" xmlns:r="http://schemas.openxmlformats.org/officeDocument/2006/relationships" xmlns:p="http://schemas.openxmlformats.org/presentationml/2006/main">
   <p:cSld>
     <p:spTree>
@@ -29158,6 +29030,122 @@
         </p:txBody>
       </p:sp>
     </p:spTree>
+  </p:cSld>
+  <p:clrMapOvr>
+    <a:masterClrMapping/>
+  </p:clrMapOvr>
+  <p:timing>
+    <p:tnLst>
+      <p:par>
+        <p:cTn id="1" dur="indefinite" restart="never" nodeType="tmRoot"/>
+      </p:par>
+    </p:tnLst>
+  </p:timing>
+</p:sld>
+</file>
+
+<file path=ppt/slides/slide41.xml><?xml version="1.0" encoding="utf-8"?>
+<p:sld xmlns:a="http://schemas.openxmlformats.org/drawingml/2006/main" xmlns:r="http://schemas.openxmlformats.org/officeDocument/2006/relationships" xmlns:p="http://schemas.openxmlformats.org/presentationml/2006/main">
+  <p:cSld>
+    <p:spTree>
+      <p:nvGrpSpPr>
+        <p:cNvPr id="1" name=""/>
+        <p:cNvGrpSpPr/>
+        <p:nvPr/>
+      </p:nvGrpSpPr>
+      <p:grpSpPr>
+        <a:xfrm>
+          <a:off x="0" y="0"/>
+          <a:ext cx="0" cy="0"/>
+          <a:chOff x="0" y="0"/>
+          <a:chExt cx="0" cy="0"/>
+        </a:xfrm>
+      </p:grpSpPr>
+      <p:sp>
+        <p:nvSpPr>
+          <p:cNvPr id="2" name="Title 1"/>
+          <p:cNvSpPr>
+            <a:spLocks noGrp="1"/>
+          </p:cNvSpPr>
+          <p:nvPr>
+            <p:ph type="title"/>
+          </p:nvPr>
+        </p:nvSpPr>
+        <p:spPr/>
+        <p:txBody>
+          <a:bodyPr/>
+          <a:lstStyle/>
+          <a:p>
+            <a:r>
+              <a:rPr lang="en-US" sz="3600" dirty="0" smtClean="0"/>
+              <a:t>KeyStone I I2C Master Boot</a:t>
+            </a:r>
+            <a:endParaRPr lang="en-US" sz="3600" dirty="0"/>
+          </a:p>
+        </p:txBody>
+      </p:sp>
+      <p:sp>
+        <p:nvSpPr>
+          <p:cNvPr id="3" name="Text Placeholder 2"/>
+          <p:cNvSpPr>
+            <a:spLocks noGrp="1"/>
+          </p:cNvSpPr>
+          <p:nvPr>
+            <p:ph type="body" sz="half" idx="1"/>
+          </p:nvPr>
+        </p:nvSpPr>
+        <p:spPr>
+          <a:xfrm>
+            <a:off x="333375" y="1185863"/>
+            <a:ext cx="8467725" cy="4910137"/>
+          </a:xfrm>
+        </p:spPr>
+        <p:txBody>
+          <a:bodyPr/>
+          <a:lstStyle/>
+          <a:p>
+            <a:r>
+              <a:rPr lang="en-US" dirty="0" smtClean="0"/>
+              <a:t>PLL is in bypass mode.</a:t>
+            </a:r>
+          </a:p>
+          <a:p>
+            <a:pPr lvl="1"/>
+            <a:r>
+              <a:rPr lang="en-US" dirty="0" smtClean="0"/>
+              <a:t>Can be used to run a work-around before running the main boot method</a:t>
+            </a:r>
+          </a:p>
+          <a:p>
+            <a:r>
+              <a:rPr lang="en-US" dirty="0" smtClean="0"/>
+              <a:t>Can modify the boot parameter table that is used by RBL.</a:t>
+            </a:r>
+          </a:p>
+          <a:p>
+            <a:pPr lvl="1"/>
+            <a:r>
+              <a:rPr lang="en-US" dirty="0" smtClean="0"/>
+              <a:t>After running the work-around, can modify the boot parameter table to boot in another boot method.</a:t>
+            </a:r>
+          </a:p>
+          <a:p>
+            <a:r>
+              <a:rPr lang="en-US" dirty="0" smtClean="0"/>
+              <a:t>Images are stored in the EEPROM in two pages that are divided into blocks of 0x80 bytes.</a:t>
+            </a:r>
+          </a:p>
+          <a:p>
+            <a:endParaRPr lang="en-US" dirty="0"/>
+          </a:p>
+        </p:txBody>
+      </p:sp>
+    </p:spTree>
+    <p:extLst>
+      <p:ext uri="{BB962C8B-B14F-4D97-AF65-F5344CB8AC3E}">
+        <p14:creationId xmlns:p14="http://schemas.microsoft.com/office/powerpoint/2010/main" xmlns="" val="2128352626"/>
+      </p:ext>
+    </p:extLst>
   </p:cSld>
   <p:clrMapOvr>
     <a:masterClrMapping/>
@@ -29206,7 +29194,7 @@
           <a:p>
             <a:r>
               <a:rPr lang="en-US" sz="3600" dirty="0" smtClean="0"/>
-              <a:t>KeyStone I I2C Master Boot</a:t>
+              <a:t>KeyStone I Boot Modes Summary</a:t>
             </a:r>
             <a:endParaRPr lang="en-US" sz="3600" dirty="0"/>
           </a:p>
@@ -29224,46 +29212,101 @@
         </p:nvSpPr>
         <p:spPr>
           <a:xfrm>
-            <a:off x="333375" y="1185863"/>
-            <a:ext cx="8467725" cy="4910137"/>
+            <a:off x="333375" y="990600"/>
+            <a:ext cx="8467725" cy="5291137"/>
           </a:xfrm>
         </p:spPr>
         <p:txBody>
           <a:bodyPr/>
           <a:lstStyle/>
           <a:p>
-            <a:r>
-              <a:rPr lang="en-US" dirty="0" smtClean="0"/>
-              <a:t>PLL is in bypass mode.</a:t>
-            </a:r>
-          </a:p>
-          <a:p>
-            <a:pPr lvl="1"/>
-            <a:r>
-              <a:rPr lang="en-US" dirty="0" smtClean="0"/>
-              <a:t>Can be used to run a work-around before running the main boot method</a:t>
-            </a:r>
-          </a:p>
-          <a:p>
-            <a:r>
-              <a:rPr lang="en-US" dirty="0" smtClean="0"/>
-              <a:t>Can modify the boot parameter table that is used by RBL.</a:t>
-            </a:r>
-          </a:p>
-          <a:p>
-            <a:pPr lvl="1"/>
-            <a:r>
-              <a:rPr lang="en-US" dirty="0" smtClean="0"/>
-              <a:t>After running the work-around, can modify the boot parameter table to boot in another boot method.</a:t>
-            </a:r>
-          </a:p>
-          <a:p>
-            <a:r>
-              <a:rPr lang="en-US" dirty="0" smtClean="0"/>
-              <a:t>Images are stored in the EEPROM in two pages that are divided into blocks of 0x80 bytes.</a:t>
-            </a:r>
-          </a:p>
-          <a:p>
+            <a:pPr eaLnBrk="1" hangingPunct="1"/>
+            <a:r>
+              <a:rPr lang="en-US" sz="2400" dirty="0" smtClean="0"/>
+              <a:t>I2C slave </a:t>
+            </a:r>
+          </a:p>
+          <a:p>
+            <a:pPr lvl="1" eaLnBrk="1" hangingPunct="1"/>
+            <a:r>
+              <a:rPr lang="en-US" sz="2000" dirty="0" smtClean="0"/>
+              <a:t>device configuration </a:t>
+            </a:r>
+            <a:r>
+              <a:rPr lang="en-US" sz="2000" dirty="0"/>
+              <a:t>uses 5 bits of device </a:t>
+            </a:r>
+            <a:r>
+              <a:rPr lang="en-US" sz="2000" dirty="0" smtClean="0"/>
+              <a:t>configuration</a:t>
+            </a:r>
+            <a:r>
+              <a:rPr lang="en-US" sz="2000" dirty="0"/>
+              <a:t> </a:t>
+            </a:r>
+            <a:r>
+              <a:rPr lang="en-US" sz="2000" dirty="0" smtClean="0"/>
+              <a:t>and the </a:t>
+            </a:r>
+            <a:r>
+              <a:rPr lang="en-US" sz="2000" dirty="0"/>
+              <a:t>I2C address is calculated by adding 0x19 to the I2C address specified in the device </a:t>
+            </a:r>
+            <a:r>
+              <a:rPr lang="en-US" sz="2000" dirty="0" smtClean="0"/>
+              <a:t>configuration</a:t>
+            </a:r>
+          </a:p>
+          <a:p>
+            <a:pPr eaLnBrk="1" hangingPunct="1"/>
+            <a:r>
+              <a:rPr lang="en-US" sz="2400" dirty="0" smtClean="0"/>
+              <a:t>SPI Boot </a:t>
+            </a:r>
+          </a:p>
+          <a:p>
+            <a:pPr lvl="1" eaLnBrk="1" hangingPunct="1"/>
+            <a:r>
+              <a:rPr lang="en-US" sz="2000" dirty="0" smtClean="0"/>
+              <a:t>Same as I2C mode, instead of pages, the NOR flash is selected based on the chip select</a:t>
+            </a:r>
+          </a:p>
+          <a:p>
+            <a:pPr eaLnBrk="1" hangingPunct="1"/>
+            <a:r>
+              <a:rPr lang="en-US" sz="2400" dirty="0" smtClean="0"/>
+              <a:t>Ethernet Boot</a:t>
+            </a:r>
+          </a:p>
+          <a:p>
+            <a:pPr lvl="1" eaLnBrk="1" hangingPunct="1"/>
+            <a:r>
+              <a:rPr lang="en-US" sz="2000" dirty="0" smtClean="0"/>
+              <a:t>Configure the SERDES and NetCp if available, but not the PHY</a:t>
+            </a:r>
+          </a:p>
+          <a:p>
+            <a:pPr eaLnBrk="1" hangingPunct="1"/>
+            <a:r>
+              <a:rPr lang="en-US" sz="2400" dirty="0" smtClean="0"/>
+              <a:t>SRIO BOOT</a:t>
+            </a:r>
+          </a:p>
+          <a:p>
+            <a:pPr lvl="1" eaLnBrk="1" hangingPunct="1"/>
+            <a:r>
+              <a:rPr lang="en-US" sz="2000" dirty="0" smtClean="0"/>
+              <a:t>Support direct IO (slave mode) and type 11 messages (similar to Ethernet)</a:t>
+            </a:r>
+          </a:p>
+          <a:p>
+            <a:pPr eaLnBrk="1" hangingPunct="1"/>
+            <a:endParaRPr lang="en-US" sz="2400" dirty="0" smtClean="0"/>
+          </a:p>
+          <a:p>
+            <a:pPr marL="0" indent="0">
+              <a:buNone/>
+            </a:pPr>
             <a:endParaRPr lang="en-US" dirty="0"/>
           </a:p>
         </p:txBody>
@@ -29271,7 +29314,7 @@
     </p:spTree>
     <p:extLst>
       <p:ext uri="{BB962C8B-B14F-4D97-AF65-F5344CB8AC3E}">
-        <p14:creationId xmlns="" xmlns:p14="http://schemas.microsoft.com/office/powerpoint/2010/main" val="2128352626"/>
+        <p14:creationId xmlns:p14="http://schemas.microsoft.com/office/powerpoint/2010/main" xmlns="" val="2902113270"/>
       </p:ext>
     </p:extLst>
   </p:cSld>
@@ -29322,11 +29365,7 @@
           <a:p>
             <a:r>
               <a:rPr lang="en-US" sz="3600" dirty="0" smtClean="0"/>
-              <a:t>KeyStone </a:t>
-            </a:r>
-            <a:r>
-              <a:rPr lang="en-US" sz="3600" dirty="0" smtClean="0"/>
-              <a:t>I Boot Modes Summary</a:t>
+              <a:t>KeyStone I Boot Modes Summary (cont)</a:t>
             </a:r>
             <a:endParaRPr lang="en-US" sz="3600" dirty="0"/>
           </a:p>
@@ -29355,113 +29394,30 @@
             <a:pPr eaLnBrk="1" hangingPunct="1"/>
             <a:r>
               <a:rPr lang="en-US" sz="2400" dirty="0" smtClean="0"/>
-              <a:t>I2C slave </a:t>
+              <a:t>PCI Boot</a:t>
             </a:r>
           </a:p>
           <a:p>
             <a:pPr lvl="1" eaLnBrk="1" hangingPunct="1"/>
             <a:r>
               <a:rPr lang="en-US" sz="2000" dirty="0" smtClean="0"/>
-              <a:t>device </a:t>
-            </a:r>
+              <a:t>Only End Point (DSP), similar to SRIO direct IO, supports legacy interrupt as well as EP interrupt</a:t>
+            </a:r>
+            <a:endParaRPr lang="en-US" sz="2400" dirty="0" smtClean="0"/>
+          </a:p>
+          <a:p>
+            <a:pPr eaLnBrk="1" hangingPunct="1"/>
+            <a:r>
+              <a:rPr lang="en-US" sz="2400" dirty="0" smtClean="0"/>
+              <a:t>Hyperlink Boot</a:t>
+            </a:r>
+          </a:p>
+          <a:p>
+            <a:pPr lvl="1" eaLnBrk="1" hangingPunct="1"/>
             <a:r>
               <a:rPr lang="en-US" sz="2000" dirty="0" smtClean="0"/>
-              <a:t>configuration </a:t>
-            </a:r>
-            <a:r>
-              <a:rPr lang="en-US" sz="2000" dirty="0"/>
-              <a:t>uses 5 bits of device </a:t>
-            </a:r>
-            <a:r>
-              <a:rPr lang="en-US" sz="2000" dirty="0" smtClean="0"/>
-              <a:t>configuration</a:t>
-            </a:r>
-            <a:r>
-              <a:rPr lang="en-US" sz="2000" dirty="0"/>
-              <a:t> </a:t>
-            </a:r>
-            <a:r>
-              <a:rPr lang="en-US" sz="2000" dirty="0" smtClean="0"/>
-              <a:t>and </a:t>
-            </a:r>
-            <a:r>
-              <a:rPr lang="en-US" sz="2000" dirty="0" smtClean="0"/>
-              <a:t>t</a:t>
-            </a:r>
-            <a:r>
-              <a:rPr lang="en-US" sz="2000" dirty="0" smtClean="0"/>
-              <a:t>he </a:t>
-            </a:r>
-            <a:r>
-              <a:rPr lang="en-US" sz="2000" dirty="0"/>
-              <a:t>I2C address is calculated by adding 0x19 to the I2C address specified in the device </a:t>
-            </a:r>
-            <a:r>
-              <a:rPr lang="en-US" sz="2000" dirty="0" smtClean="0"/>
-              <a:t>configuration</a:t>
-            </a:r>
-          </a:p>
-          <a:p>
-            <a:pPr eaLnBrk="1" hangingPunct="1"/>
-            <a:r>
-              <a:rPr lang="en-US" sz="2400" dirty="0" smtClean="0"/>
-              <a:t>SPI Boot </a:t>
-            </a:r>
-          </a:p>
-          <a:p>
-            <a:pPr lvl="1" eaLnBrk="1" hangingPunct="1"/>
-            <a:r>
-              <a:rPr lang="en-US" sz="2000" dirty="0" smtClean="0"/>
-              <a:t>Same </a:t>
-            </a:r>
-            <a:r>
-              <a:rPr lang="en-US" sz="2000" dirty="0" smtClean="0"/>
-              <a:t>as I2C </a:t>
-            </a:r>
-            <a:r>
-              <a:rPr lang="en-US" sz="2000" dirty="0" smtClean="0"/>
-              <a:t>mode, instead </a:t>
-            </a:r>
-            <a:r>
-              <a:rPr lang="en-US" sz="2000" dirty="0" smtClean="0"/>
-              <a:t>of pages, the NOR flash is selected based on the chip </a:t>
-            </a:r>
-            <a:r>
-              <a:rPr lang="en-US" sz="2000" dirty="0" smtClean="0"/>
-              <a:t>select</a:t>
-            </a:r>
-          </a:p>
-          <a:p>
-            <a:pPr eaLnBrk="1" hangingPunct="1"/>
-            <a:r>
-              <a:rPr lang="en-US" sz="2400" dirty="0" smtClean="0"/>
-              <a:t>Ethernet Boot</a:t>
-            </a:r>
-          </a:p>
-          <a:p>
-            <a:pPr lvl="1" eaLnBrk="1" hangingPunct="1"/>
-            <a:r>
-              <a:rPr lang="en-US" sz="2000" dirty="0" smtClean="0"/>
-              <a:t>Configure the SERDES and NetCp if available, but not the PHY</a:t>
-            </a:r>
-          </a:p>
-          <a:p>
-            <a:pPr eaLnBrk="1" hangingPunct="1"/>
-            <a:r>
-              <a:rPr lang="en-US" sz="2400" dirty="0" smtClean="0"/>
-              <a:t>SRIO BOOT</a:t>
-            </a:r>
-          </a:p>
-          <a:p>
-            <a:pPr lvl="1" eaLnBrk="1" hangingPunct="1"/>
-            <a:r>
-              <a:rPr lang="en-US" sz="2000" dirty="0" smtClean="0"/>
-              <a:t>Support direct IO (slave mode) and type 11 messages (similar to Ethernet)</a:t>
-            </a:r>
-          </a:p>
-          <a:p>
-            <a:pPr eaLnBrk="1" hangingPunct="1"/>
-            <a:endParaRPr lang="en-US" sz="2400" dirty="0" smtClean="0"/>
+              <a:t>Similar to SRIO direct IO, Hyperlink interrupt is connected to core 0</a:t>
+            </a:r>
           </a:p>
           <a:p>
             <a:pPr marL="0" indent="0">
@@ -29474,7 +29430,7 @@
     </p:spTree>
     <p:extLst>
       <p:ext uri="{BB962C8B-B14F-4D97-AF65-F5344CB8AC3E}">
-        <p14:creationId xmlns="" xmlns:p14="http://schemas.microsoft.com/office/powerpoint/2010/main" val="2902113270"/>
+        <p14:creationId xmlns:p14="http://schemas.microsoft.com/office/powerpoint/2010/main" xmlns="" val="2902113270"/>
       </p:ext>
     </p:extLst>
   </p:cSld>
@@ -29525,11 +29481,15 @@
           <a:p>
             <a:r>
               <a:rPr lang="en-US" sz="3600" dirty="0" smtClean="0"/>
-              <a:t>KeyStone </a:t>
+              <a:t>KeyStone II Boot </a:t>
+            </a:r>
+            <a:r>
+              <a:rPr lang="en-US" sz="3600" dirty="0"/>
+              <a:t>Loading Process - I2C </a:t>
             </a:r>
             <a:r>
               <a:rPr lang="en-US" sz="3600" dirty="0" smtClean="0"/>
-              <a:t>I Boot Modes Summary (cont)</a:t>
+              <a:t>Boot</a:t>
             </a:r>
             <a:endParaRPr lang="en-US" sz="3600" dirty="0"/>
           </a:p>
@@ -29545,52 +29505,41 @@
             <p:ph type="body" sz="half" idx="1"/>
           </p:nvPr>
         </p:nvSpPr>
-        <p:spPr>
-          <a:xfrm>
-            <a:off x="333375" y="990600"/>
-            <a:ext cx="8467725" cy="5291137"/>
-          </a:xfrm>
-        </p:spPr>
+        <p:spPr/>
         <p:txBody>
           <a:bodyPr/>
           <a:lstStyle/>
           <a:p>
-            <a:pPr eaLnBrk="1" hangingPunct="1"/>
-            <a:r>
-              <a:rPr lang="en-US" sz="2400" dirty="0" smtClean="0"/>
-              <a:t>PCI Boot</a:t>
-            </a:r>
-          </a:p>
-          <a:p>
-            <a:pPr lvl="1" eaLnBrk="1" hangingPunct="1"/>
-            <a:r>
-              <a:rPr lang="en-US" sz="2000" dirty="0" smtClean="0"/>
-              <a:t>Only End Point (DSP), similar to SRIO direct IO, supports legacy interrupt as well as EP </a:t>
-            </a:r>
-            <a:r>
-              <a:rPr lang="en-US" sz="2000" dirty="0" smtClean="0"/>
-              <a:t>interrupt</a:t>
-            </a:r>
-            <a:endParaRPr lang="en-US" sz="2400" dirty="0" smtClean="0"/>
-          </a:p>
-          <a:p>
-            <a:pPr eaLnBrk="1" hangingPunct="1"/>
-            <a:r>
-              <a:rPr lang="en-US" sz="2400" dirty="0" smtClean="0"/>
-              <a:t>Hyperlink Boot</a:t>
-            </a:r>
-          </a:p>
-          <a:p>
-            <a:pPr lvl="1" eaLnBrk="1" hangingPunct="1"/>
-            <a:r>
-              <a:rPr lang="en-US" sz="2000" dirty="0" smtClean="0"/>
-              <a:t>Similar to SRIO direct IO, Hyperlink interrupt is connected to core 0</a:t>
-            </a:r>
-          </a:p>
-          <a:p>
-            <a:pPr marL="0" indent="0">
-              <a:buNone/>
-            </a:pPr>
+            <a:r>
+              <a:rPr lang="en-US" sz="2800" dirty="0" smtClean="0"/>
+              <a:t>PLL are bypassed in this mode.</a:t>
+            </a:r>
+          </a:p>
+          <a:p>
+            <a:r>
+              <a:rPr lang="en-US" sz="2800" dirty="0" smtClean="0"/>
+              <a:t>The application to be loaded is converted into a GP header format table and loaded in the EEPROM.</a:t>
+            </a:r>
+          </a:p>
+          <a:p>
+            <a:r>
+              <a:rPr lang="en-US" sz="2800" dirty="0" smtClean="0"/>
+              <a:t>Generally a two stage bootloader process is carried out.</a:t>
+            </a:r>
+          </a:p>
+          <a:p>
+            <a:r>
+              <a:rPr lang="en-US" sz="2800" dirty="0" smtClean="0"/>
+              <a:t>First stage will load the image that has the PLL settings and modifies the boot parameter table to point to the next address in EEPROM where the real image is loaded. Then re-enter the RBL</a:t>
+            </a:r>
+          </a:p>
+          <a:p>
+            <a:r>
+              <a:rPr lang="en-US" sz="2800" dirty="0" smtClean="0"/>
+              <a:t>In second stage the real image is loaded.</a:t>
+            </a:r>
+          </a:p>
+          <a:p>
             <a:endParaRPr lang="en-US" dirty="0"/>
           </a:p>
         </p:txBody>
@@ -29598,7 +29547,7 @@
     </p:spTree>
     <p:extLst>
       <p:ext uri="{BB962C8B-B14F-4D97-AF65-F5344CB8AC3E}">
-        <p14:creationId xmlns="" xmlns:p14="http://schemas.microsoft.com/office/powerpoint/2010/main" val="2902113270"/>
+        <p14:creationId xmlns:p14="http://schemas.microsoft.com/office/powerpoint/2010/main" xmlns="" val="2128352626"/>
       </p:ext>
     </p:extLst>
   </p:cSld>
@@ -29649,15 +29598,7 @@
           <a:p>
             <a:r>
               <a:rPr lang="en-US" sz="3600" dirty="0" smtClean="0"/>
-              <a:t>KeyStone II Boot </a:t>
-            </a:r>
-            <a:r>
-              <a:rPr lang="en-US" sz="3600" dirty="0"/>
-              <a:t>Loading Process - I2C </a:t>
-            </a:r>
-            <a:r>
-              <a:rPr lang="en-US" sz="3600" dirty="0" smtClean="0"/>
-              <a:t>Boot</a:t>
+              <a:t>KeyStone II Boot Loading Process -XIP boot</a:t>
             </a:r>
             <a:endParaRPr lang="en-US" sz="3600" dirty="0"/>
           </a:p>
@@ -29673,49 +29614,75 @@
             <p:ph type="body" sz="half" idx="1"/>
           </p:nvPr>
         </p:nvSpPr>
-        <p:spPr/>
+        <p:spPr>
+          <a:xfrm>
+            <a:off x="333375" y="1185863"/>
+            <a:ext cx="8467725" cy="5062537"/>
+          </a:xfrm>
+        </p:spPr>
         <p:txBody>
           <a:bodyPr/>
           <a:lstStyle/>
           <a:p>
             <a:r>
-              <a:rPr lang="en-US" sz="2800" dirty="0" smtClean="0"/>
-              <a:t>PLL are bypassed in this mode.</a:t>
-            </a:r>
-          </a:p>
-          <a:p>
-            <a:r>
-              <a:rPr lang="en-US" sz="2800" dirty="0" smtClean="0"/>
-              <a:t>The application to be loaded is converted into a GP header format table and loaded in the EEPROM.</a:t>
-            </a:r>
-          </a:p>
-          <a:p>
-            <a:r>
-              <a:rPr lang="en-US" sz="2800" dirty="0" smtClean="0"/>
-              <a:t>Generally a two stage bootloader process is carried out.</a:t>
-            </a:r>
-          </a:p>
-          <a:p>
-            <a:r>
-              <a:rPr lang="en-US" sz="2800" dirty="0" smtClean="0"/>
-              <a:t>First stage will load the image that has the PLL settings and modifies the boot parameter table to point to the next address in EEPROM where the real image is loaded. Then re-enter the RBL</a:t>
-            </a:r>
-          </a:p>
-          <a:p>
-            <a:r>
-              <a:rPr lang="en-US" sz="2800" dirty="0" smtClean="0"/>
-              <a:t>In second stage the real image is loaded.</a:t>
-            </a:r>
-          </a:p>
-          <a:p>
-            <a:endParaRPr lang="en-US" dirty="0"/>
+              <a:rPr lang="en-US" dirty="0" smtClean="0">
+                <a:solidFill>
+                  <a:schemeClr val="tx1">
+                    <a:lumMod val="50000"/>
+                    <a:lumOff val="50000"/>
+                  </a:schemeClr>
+                </a:solidFill>
+              </a:rPr>
+              <a:t>The image to be loaded is in the GP header format and loaded in the EMIF NOR flash.</a:t>
+            </a:r>
+          </a:p>
+          <a:p>
+            <a:r>
+              <a:rPr lang="en-US" dirty="0" smtClean="0">
+                <a:solidFill>
+                  <a:schemeClr val="tx1">
+                    <a:lumMod val="50000"/>
+                    <a:lumOff val="50000"/>
+                  </a:schemeClr>
+                </a:solidFill>
+              </a:rPr>
+              <a:t>Once the boot is triggered, the GP header blocks are loaded based on the base address and the byte size.</a:t>
+            </a:r>
+          </a:p>
+          <a:p>
+            <a:r>
+              <a:rPr lang="en-US" dirty="0" smtClean="0">
+                <a:solidFill>
+                  <a:schemeClr val="tx1">
+                    <a:lumMod val="50000"/>
+                    <a:lumOff val="50000"/>
+                  </a:schemeClr>
+                </a:solidFill>
+              </a:rPr>
+              <a:t>Once the last block is detected, the RBL branches ARM core0 to the base address specified in that block and starts executing. </a:t>
+            </a:r>
+          </a:p>
+          <a:p>
+            <a:r>
+              <a:rPr lang="en-US" dirty="0" smtClean="0">
+                <a:solidFill>
+                  <a:srgbClr val="FF0000"/>
+                </a:solidFill>
+              </a:rPr>
+              <a:t>See device Errata </a:t>
+            </a:r>
+            <a:endParaRPr lang="en-US" dirty="0">
+              <a:solidFill>
+                <a:srgbClr val="FF0000"/>
+              </a:solidFill>
+            </a:endParaRPr>
           </a:p>
         </p:txBody>
       </p:sp>
     </p:spTree>
     <p:extLst>
       <p:ext uri="{BB962C8B-B14F-4D97-AF65-F5344CB8AC3E}">
-        <p14:creationId xmlns="" xmlns:p14="http://schemas.microsoft.com/office/powerpoint/2010/main" val="2128352626"/>
+        <p14:creationId xmlns:p14="http://schemas.microsoft.com/office/powerpoint/2010/main" xmlns="" val="4141167025"/>
       </p:ext>
     </p:extLst>
   </p:cSld>
@@ -29766,7 +29733,7 @@
           <a:p>
             <a:r>
               <a:rPr lang="en-US" sz="3600" dirty="0" smtClean="0"/>
-              <a:t>KeyStone II Boot Loading Process -XIP boot</a:t>
+              <a:t>KeyStone II Boot Summary</a:t>
             </a:r>
             <a:endParaRPr lang="en-US" sz="3600" dirty="0"/>
           </a:p>
@@ -29785,7 +29752,7 @@
         <p:spPr>
           <a:xfrm>
             <a:off x="333375" y="1185863"/>
-            <a:ext cx="8467725" cy="5062537"/>
+            <a:ext cx="7896225" cy="4692650"/>
           </a:xfrm>
         </p:spPr>
         <p:txBody>
@@ -29793,64 +29760,86 @@
           <a:lstStyle/>
           <a:p>
             <a:r>
-              <a:rPr lang="en-US" dirty="0" smtClean="0">
-                <a:solidFill>
-                  <a:schemeClr val="tx1">
-                    <a:lumMod val="50000"/>
-                    <a:lumOff val="50000"/>
-                  </a:schemeClr>
-                </a:solidFill>
-              </a:rPr>
-              <a:t>The image to be loaded is in the GP header format and loaded in the EMIF NOR flash.</a:t>
-            </a:r>
-          </a:p>
-          <a:p>
-            <a:r>
-              <a:rPr lang="en-US" dirty="0" smtClean="0">
-                <a:solidFill>
-                  <a:schemeClr val="tx1">
-                    <a:lumMod val="50000"/>
-                    <a:lumOff val="50000"/>
-                  </a:schemeClr>
-                </a:solidFill>
-              </a:rPr>
-              <a:t>Once the boot is triggered, the GP header blocks are loaded based on the base address and the byte size.</a:t>
-            </a:r>
-          </a:p>
-          <a:p>
-            <a:r>
-              <a:rPr lang="en-US" dirty="0" smtClean="0">
-                <a:solidFill>
-                  <a:schemeClr val="tx1">
-                    <a:lumMod val="50000"/>
-                    <a:lumOff val="50000"/>
-                  </a:schemeClr>
-                </a:solidFill>
-              </a:rPr>
-              <a:t>Once the last block is detected, the RBL branches ARM core0 to the base address specified in that block and starts executing. </a:t>
-            </a:r>
-          </a:p>
-          <a:p>
-            <a:r>
-              <a:rPr lang="en-US" dirty="0" smtClean="0">
-                <a:solidFill>
-                  <a:srgbClr val="FF0000"/>
-                </a:solidFill>
-              </a:rPr>
-              <a:t>See device Errata </a:t>
-            </a:r>
-            <a:endParaRPr lang="en-US" dirty="0">
-              <a:solidFill>
-                <a:srgbClr val="FF0000"/>
-              </a:solidFill>
-            </a:endParaRPr>
+              <a:rPr lang="en-US" sz="2400" dirty="0" smtClean="0"/>
+              <a:t>SPI Boot</a:t>
+            </a:r>
+          </a:p>
+          <a:p>
+            <a:pPr lvl="1"/>
+            <a:r>
+              <a:rPr lang="en-US" sz="2000" dirty="0" smtClean="0"/>
+              <a:t>PLL </a:t>
+            </a:r>
+            <a:r>
+              <a:rPr lang="en-US" sz="2000" dirty="0"/>
+              <a:t>are bypassed in this mode</a:t>
+            </a:r>
+            <a:r>
+              <a:rPr lang="en-US" sz="2000" dirty="0" smtClean="0"/>
+              <a:t>. GP format</a:t>
+            </a:r>
+          </a:p>
+          <a:p>
+            <a:r>
+              <a:rPr lang="en-US" sz="2400" dirty="0" smtClean="0"/>
+              <a:t>Ethernet Boot</a:t>
+            </a:r>
+          </a:p>
+          <a:p>
+            <a:pPr lvl="1"/>
+            <a:r>
+              <a:rPr lang="en-US" sz="2000" dirty="0" smtClean="0"/>
+              <a:t>Does not initialize the Phy, need ip address, blob format to MCMS memory</a:t>
+            </a:r>
+          </a:p>
+          <a:p>
+            <a:r>
+              <a:rPr lang="en-US" sz="2400" dirty="0" smtClean="0"/>
+              <a:t>SRIO Boot</a:t>
+            </a:r>
+          </a:p>
+          <a:p>
+            <a:pPr lvl="1"/>
+            <a:r>
+              <a:rPr lang="en-US" sz="2000" dirty="0" smtClean="0"/>
+              <a:t>Direct IO and messages, GP format in messages, blob in direct IO</a:t>
+            </a:r>
+          </a:p>
+          <a:p>
+            <a:r>
+              <a:rPr lang="en-US" sz="2400" dirty="0" smtClean="0"/>
+              <a:t>PCI boot</a:t>
+            </a:r>
+          </a:p>
+          <a:p>
+            <a:pPr lvl="1"/>
+            <a:r>
+              <a:rPr lang="en-US" sz="2000" dirty="0" smtClean="0"/>
+              <a:t>Blob format, BAR and SERDES are configures, EP mode</a:t>
+            </a:r>
+          </a:p>
+          <a:p>
+            <a:r>
+              <a:rPr lang="en-US" sz="2400" dirty="0" smtClean="0"/>
+              <a:t>Hyperlink boot</a:t>
+            </a:r>
+          </a:p>
+          <a:p>
+            <a:pPr lvl="1"/>
+            <a:r>
+              <a:rPr lang="en-US" sz="2000" dirty="0" smtClean="0"/>
+              <a:t>Blob format,  configure interrupt to the ARM</a:t>
+            </a:r>
+          </a:p>
+          <a:p>
+            <a:endParaRPr lang="en-US" sz="2400" dirty="0"/>
           </a:p>
         </p:txBody>
       </p:sp>
     </p:spTree>
     <p:extLst>
       <p:ext uri="{BB962C8B-B14F-4D97-AF65-F5344CB8AC3E}">
-        <p14:creationId xmlns="" xmlns:p14="http://schemas.microsoft.com/office/powerpoint/2010/main" val="4141167025"/>
+        <p14:creationId xmlns:p14="http://schemas.microsoft.com/office/powerpoint/2010/main" xmlns="" val="684164577"/>
       </p:ext>
     </p:extLst>
   </p:cSld>
@@ -29901,11 +29890,7 @@
           <a:p>
             <a:r>
               <a:rPr lang="en-US" sz="3600" dirty="0" smtClean="0"/>
-              <a:t>KeyStone II Boot </a:t>
-            </a:r>
-            <a:r>
-              <a:rPr lang="en-US" sz="3600" dirty="0" smtClean="0"/>
-              <a:t>Summary</a:t>
+              <a:t>KeyStone II Boot Summary (Cont)</a:t>
             </a:r>
             <a:endParaRPr lang="en-US" sz="3600" dirty="0"/>
           </a:p>
@@ -29933,85 +29918,36 @@
           <a:p>
             <a:r>
               <a:rPr lang="en-US" sz="2400" dirty="0" smtClean="0"/>
-              <a:t>SPI Boot</a:t>
+              <a:t>NAND BOOT</a:t>
             </a:r>
           </a:p>
           <a:p>
             <a:pPr lvl="1"/>
             <a:r>
               <a:rPr lang="en-US" sz="2000" dirty="0" smtClean="0"/>
-              <a:t>PLL </a:t>
-            </a:r>
-            <a:r>
-              <a:rPr lang="en-US" sz="2000" dirty="0"/>
-              <a:t>are bypassed in this mode</a:t>
-            </a:r>
+              <a:t>GP format, similar to I2C or SPI</a:t>
+            </a:r>
+          </a:p>
+          <a:p>
+            <a:r>
+              <a:rPr lang="en-US" sz="2400" dirty="0" smtClean="0"/>
+              <a:t>UART Boot</a:t>
+            </a:r>
+          </a:p>
+          <a:p>
+            <a:pPr lvl="1"/>
             <a:r>
               <a:rPr lang="en-US" sz="2000" dirty="0" smtClean="0"/>
-              <a:t>. GP format</a:t>
-            </a:r>
-          </a:p>
-          <a:p>
-            <a:r>
-              <a:rPr lang="en-US" sz="2400" dirty="0" smtClean="0"/>
-              <a:t>Ethernet Boot</a:t>
-            </a:r>
-          </a:p>
-          <a:p>
-            <a:pPr lvl="1"/>
-            <a:r>
-              <a:rPr lang="en-US" sz="2000" dirty="0" smtClean="0"/>
-              <a:t>Does not initialize the Phy, need ip address, blob format to MCMS memory</a:t>
-            </a:r>
-          </a:p>
-          <a:p>
-            <a:r>
-              <a:rPr lang="en-US" sz="2400" dirty="0" smtClean="0"/>
-              <a:t>SRIO Boot</a:t>
-            </a:r>
-          </a:p>
-          <a:p>
-            <a:pPr lvl="1"/>
-            <a:r>
-              <a:rPr lang="en-US" sz="2000" dirty="0" smtClean="0"/>
-              <a:t>Direct IO and messages, GP format in messages, blob in direct IO</a:t>
-            </a:r>
-          </a:p>
-          <a:p>
-            <a:r>
-              <a:rPr lang="en-US" sz="2400" dirty="0" smtClean="0"/>
-              <a:t>PCI boot</a:t>
-            </a:r>
-          </a:p>
-          <a:p>
-            <a:pPr lvl="1"/>
-            <a:r>
-              <a:rPr lang="en-US" sz="2000" dirty="0" smtClean="0"/>
-              <a:t>Blob format, BAR and SERDES are configures, EP mode</a:t>
-            </a:r>
-          </a:p>
-          <a:p>
-            <a:r>
-              <a:rPr lang="en-US" sz="2400" dirty="0" smtClean="0"/>
-              <a:t>Hyperlink boot</a:t>
-            </a:r>
-          </a:p>
-          <a:p>
-            <a:pPr lvl="1"/>
-            <a:r>
-              <a:rPr lang="en-US" sz="2000" dirty="0" smtClean="0"/>
-              <a:t>Blob format,  configure interrupt to the ARM</a:t>
-            </a:r>
-          </a:p>
-          <a:p>
-            <a:endParaRPr lang="en-US" sz="2400" dirty="0"/>
+              <a:t>Blob format, using XMODEM protocol</a:t>
+            </a:r>
+            <a:endParaRPr lang="en-US" sz="2000" dirty="0"/>
           </a:p>
         </p:txBody>
       </p:sp>
     </p:spTree>
     <p:extLst>
       <p:ext uri="{BB962C8B-B14F-4D97-AF65-F5344CB8AC3E}">
-        <p14:creationId xmlns="" xmlns:p14="http://schemas.microsoft.com/office/powerpoint/2010/main" val="684164577"/>
+        <p14:creationId xmlns:p14="http://schemas.microsoft.com/office/powerpoint/2010/main" xmlns="" val="684164577"/>
       </p:ext>
     </p:extLst>
   </p:cSld>
@@ -30047,7 +29983,7 @@
       </p:grpSpPr>
       <p:sp>
         <p:nvSpPr>
-          <p:cNvPr id="2" name="Title 1"/>
+          <p:cNvPr id="7170" name="Title 1"/>
           <p:cNvSpPr>
             <a:spLocks noGrp="1"/>
           </p:cNvSpPr>
@@ -30060,21 +29996,17 @@
           <a:bodyPr/>
           <a:lstStyle/>
           <a:p>
-            <a:r>
-              <a:rPr lang="en-US" sz="3600" dirty="0" smtClean="0"/>
-              <a:t>KeyStone II Boot </a:t>
-            </a:r>
-            <a:r>
-              <a:rPr lang="en-US" sz="3600" dirty="0" smtClean="0"/>
-              <a:t>Summary (Cont)</a:t>
-            </a:r>
-            <a:endParaRPr lang="en-US" sz="3600" dirty="0"/>
+            <a:pPr eaLnBrk="1" hangingPunct="1"/>
+            <a:r>
+              <a:rPr lang="en-US" sz="3200" dirty="0" smtClean="0"/>
+              <a:t>Agenda</a:t>
+            </a:r>
           </a:p>
         </p:txBody>
       </p:sp>
       <p:sp>
         <p:nvSpPr>
-          <p:cNvPr id="3" name="Text Placeholder 2"/>
+          <p:cNvPr id="7171" name="Text Placeholder 2"/>
           <p:cNvSpPr>
             <a:spLocks noGrp="1"/>
           </p:cNvSpPr>
@@ -30084,48 +30016,48 @@
         </p:nvSpPr>
         <p:spPr>
           <a:xfrm>
-            <a:off x="333375" y="1185863"/>
-            <a:ext cx="7896225" cy="4692650"/>
+            <a:off x="333375" y="838201"/>
+            <a:ext cx="8505825" cy="5410200"/>
           </a:xfrm>
         </p:spPr>
         <p:txBody>
           <a:bodyPr/>
           <a:lstStyle/>
           <a:p>
+            <a:pPr eaLnBrk="1" hangingPunct="1"/>
+            <a:endParaRPr lang="en-US" sz="2400" dirty="0" smtClean="0"/>
+          </a:p>
+          <a:p>
+            <a:pPr eaLnBrk="1" hangingPunct="1"/>
+            <a:r>
+              <a:rPr lang="en-US" sz="2800" dirty="0" smtClean="0"/>
+              <a:t>Two step boot</a:t>
+            </a:r>
+          </a:p>
+          <a:p>
+            <a:pPr lvl="1" eaLnBrk="1" hangingPunct="1"/>
             <a:r>
               <a:rPr lang="en-US" sz="2400" dirty="0" smtClean="0"/>
-              <a:t>NAND BOOT</a:t>
-            </a:r>
-          </a:p>
-          <a:p>
-            <a:pPr lvl="1"/>
-            <a:r>
-              <a:rPr lang="en-US" sz="2000" dirty="0" smtClean="0"/>
-              <a:t>GP format, similar to I2C or SPI</a:t>
-            </a:r>
-          </a:p>
-          <a:p>
+              <a:t>IBL</a:t>
+            </a:r>
+          </a:p>
+          <a:p>
+            <a:pPr lvl="1" eaLnBrk="1" hangingPunct="1"/>
             <a:r>
               <a:rPr lang="en-US" sz="2400" dirty="0" smtClean="0"/>
-              <a:t>UART Boot</a:t>
-            </a:r>
-          </a:p>
-          <a:p>
-            <a:pPr lvl="1"/>
-            <a:r>
-              <a:rPr lang="en-US" sz="2000" dirty="0" smtClean="0"/>
-              <a:t>Blob format, using XMODEM protocol</a:t>
-            </a:r>
-            <a:endParaRPr lang="en-US" sz="2000" dirty="0"/>
+              <a:t>Boot multiple cores</a:t>
+            </a:r>
+          </a:p>
+          <a:p>
+            <a:pPr lvl="1" eaLnBrk="1" hangingPunct="1"/>
+            <a:r>
+              <a:rPr lang="en-US" sz="2400" dirty="0" smtClean="0"/>
+              <a:t>U-boot</a:t>
+            </a:r>
           </a:p>
         </p:txBody>
       </p:sp>
     </p:spTree>
-    <p:extLst>
-      <p:ext uri="{BB962C8B-B14F-4D97-AF65-F5344CB8AC3E}">
-        <p14:creationId xmlns="" xmlns:p14="http://schemas.microsoft.com/office/powerpoint/2010/main" val="684164577"/>
-      </p:ext>
-    </p:extLst>
   </p:cSld>
   <p:clrMapOvr>
     <a:masterClrMapping/>
@@ -30159,7 +30091,7 @@
       </p:grpSpPr>
       <p:sp>
         <p:nvSpPr>
-          <p:cNvPr id="7170" name="Title 1"/>
+          <p:cNvPr id="30722" name="Title 1"/>
           <p:cNvSpPr>
             <a:spLocks noGrp="1"/>
           </p:cNvSpPr>
@@ -30172,63 +30104,95 @@
           <a:bodyPr/>
           <a:lstStyle/>
           <a:p>
-            <a:pPr eaLnBrk="1" hangingPunct="1"/>
-            <a:r>
-              <a:rPr lang="en-US" sz="3200" dirty="0" smtClean="0"/>
-              <a:t>Agenda</a:t>
+            <a:r>
+              <a:rPr lang="en-US" dirty="0" smtClean="0"/>
+              <a:t>Second Stage Boot Load Process</a:t>
             </a:r>
           </a:p>
         </p:txBody>
       </p:sp>
       <p:sp>
         <p:nvSpPr>
-          <p:cNvPr id="7171" name="Text Placeholder 2"/>
-          <p:cNvSpPr>
-            <a:spLocks noGrp="1"/>
-          </p:cNvSpPr>
-          <p:nvPr>
-            <p:ph type="body" sz="half" idx="1"/>
-          </p:nvPr>
+          <p:cNvPr id="6" name="TextBox 5"/>
+          <p:cNvSpPr txBox="1"/>
+          <p:nvPr/>
         </p:nvSpPr>
         <p:spPr>
           <a:xfrm>
-            <a:off x="333375" y="838201"/>
-            <a:ext cx="8505825" cy="5410200"/>
+            <a:off x="914400" y="990600"/>
+            <a:ext cx="7315200" cy="5484578"/>
           </a:xfrm>
+          <a:prstGeom prst="rect">
+            <a:avLst/>
+          </a:prstGeom>
+          <a:noFill/>
         </p:spPr>
         <p:txBody>
-          <a:bodyPr/>
+          <a:bodyPr wrap="square" rtlCol="0">
+            <a:spAutoFit/>
+          </a:bodyPr>
           <a:lstStyle/>
           <a:p>
-            <a:pPr eaLnBrk="1" hangingPunct="1"/>
+            <a:r>
+              <a:rPr lang="en-US" sz="2400" dirty="0" smtClean="0"/>
+              <a:t>Q: What if more boot parameters are needed than can be specified in the boot pins? </a:t>
+            </a:r>
+          </a:p>
+          <a:p>
+            <a:endParaRPr lang="en-US" sz="2400" dirty="0"/>
+          </a:p>
+          <a:p>
+            <a:r>
+              <a:rPr lang="en-US" sz="2400" dirty="0" smtClean="0"/>
+              <a:t>A: Other parameter values can be updated through the I2C boot mode.</a:t>
+            </a:r>
+          </a:p>
+          <a:p>
             <a:endParaRPr lang="en-US" sz="2400" dirty="0" smtClean="0"/>
           </a:p>
           <a:p>
-            <a:pPr eaLnBrk="1" hangingPunct="1"/>
-            <a:r>
-              <a:rPr lang="en-US" sz="2800" dirty="0" smtClean="0"/>
-              <a:t>Two step boot</a:t>
-            </a:r>
-          </a:p>
-          <a:p>
-            <a:pPr lvl="1" eaLnBrk="1" hangingPunct="1"/>
+            <a:pPr marL="342900" indent="-342900" eaLnBrk="0" fontAlgn="base" hangingPunct="0">
+              <a:spcBef>
+                <a:spcPct val="20000"/>
+              </a:spcBef>
+              <a:spcAft>
+                <a:spcPct val="0"/>
+              </a:spcAft>
+              <a:buFont typeface="Arial" pitchFamily="34" charset="0"/>
+              <a:buChar char="•"/>
+            </a:pPr>
             <a:r>
               <a:rPr lang="en-US" sz="2400" dirty="0" smtClean="0"/>
-              <a:t>IBL</a:t>
-            </a:r>
-          </a:p>
-          <a:p>
-            <a:pPr lvl="1" eaLnBrk="1" hangingPunct="1"/>
+              <a:t>In this case, the I2C boot starts with an I2C boot parameter table which in turn loads a custom updated parameter table for a specific boot mode. </a:t>
+            </a:r>
+          </a:p>
+          <a:p>
+            <a:pPr marL="342900" indent="-342900" eaLnBrk="0" fontAlgn="base" hangingPunct="0">
+              <a:spcBef>
+                <a:spcPct val="20000"/>
+              </a:spcBef>
+              <a:spcAft>
+                <a:spcPct val="0"/>
+              </a:spcAft>
+              <a:buFont typeface="Arial" pitchFamily="34" charset="0"/>
+              <a:buChar char="•"/>
+            </a:pPr>
+            <a:endParaRPr lang="en-US" sz="2400" dirty="0" smtClean="0"/>
+          </a:p>
+          <a:p>
+            <a:pPr marL="342900" indent="-342900" eaLnBrk="0" fontAlgn="base" hangingPunct="0">
+              <a:spcBef>
+                <a:spcPct val="20000"/>
+              </a:spcBef>
+              <a:spcAft>
+                <a:spcPct val="0"/>
+              </a:spcAft>
+              <a:buFont typeface="Arial" pitchFamily="34" charset="0"/>
+              <a:buChar char="•"/>
+            </a:pPr>
             <a:r>
               <a:rPr lang="en-US" sz="2400" dirty="0" smtClean="0"/>
-              <a:t>Boot multiple cores</a:t>
-            </a:r>
-          </a:p>
-          <a:p>
-            <a:pPr lvl="1" eaLnBrk="1" hangingPunct="1"/>
-            <a:r>
-              <a:rPr lang="en-US" sz="2400" dirty="0" smtClean="0"/>
-              <a:t>U-boot</a:t>
+              <a:t>Once the default parameter table is updated, the boot code executes using the updated boot parameter structure, following the same process as the primary boot mode.</a:t>
             </a:r>
           </a:p>
         </p:txBody>
@@ -31330,7 +31294,7 @@
       </p:grpSpPr>
       <p:sp>
         <p:nvSpPr>
-          <p:cNvPr id="30722" name="Title 1"/>
+          <p:cNvPr id="31746" name="Title 1"/>
           <p:cNvSpPr>
             <a:spLocks noGrp="1"/>
           </p:cNvSpPr>
@@ -31345,93 +31309,58 @@
           <a:p>
             <a:r>
               <a:rPr lang="en-US" dirty="0" smtClean="0"/>
-              <a:t>Second Stage Boot Load Process</a:t>
+              <a:t>Second Stage Boot Load Specifics</a:t>
             </a:r>
           </a:p>
         </p:txBody>
       </p:sp>
       <p:sp>
         <p:nvSpPr>
-          <p:cNvPr id="6" name="TextBox 5"/>
-          <p:cNvSpPr txBox="1"/>
-          <p:nvPr/>
+          <p:cNvPr id="31747" name="Text Placeholder 2"/>
+          <p:cNvSpPr>
+            <a:spLocks noGrp="1"/>
+          </p:cNvSpPr>
+          <p:nvPr>
+            <p:ph type="body" sz="half" idx="1"/>
+          </p:nvPr>
         </p:nvSpPr>
         <p:spPr>
           <a:xfrm>
-            <a:off x="914400" y="990600"/>
-            <a:ext cx="7315200" cy="5484578"/>
+            <a:off x="333375" y="1185863"/>
+            <a:ext cx="8383588" cy="4692650"/>
           </a:xfrm>
-          <a:prstGeom prst="rect">
-            <a:avLst/>
-          </a:prstGeom>
-          <a:noFill/>
         </p:spPr>
         <p:txBody>
-          <a:bodyPr wrap="square" rtlCol="0">
-            <a:spAutoFit/>
-          </a:bodyPr>
+          <a:bodyPr/>
           <a:lstStyle/>
           <a:p>
             <a:r>
               <a:rPr lang="en-US" sz="2400" dirty="0" smtClean="0"/>
-              <a:t>Q: What if more boot parameters are needed than can be specified in the boot pins? </a:t>
-            </a:r>
-          </a:p>
-          <a:p>
-            <a:endParaRPr lang="en-US" sz="2400" dirty="0"/>
+              <a:t>The loaded EEPROM image has two boot parameter table blocks.</a:t>
+            </a:r>
           </a:p>
           <a:p>
             <a:r>
               <a:rPr lang="en-US" sz="2400" dirty="0" smtClean="0"/>
-              <a:t>A: Other parameter values can be updated through the I2C boot mode.</a:t>
-            </a:r>
-          </a:p>
-          <a:p>
-            <a:endParaRPr lang="en-US" sz="2400" dirty="0" smtClean="0"/>
-          </a:p>
-          <a:p>
-            <a:pPr marL="342900" indent="-342900" eaLnBrk="0" fontAlgn="base" hangingPunct="0">
-              <a:spcBef>
-                <a:spcPct val="20000"/>
-              </a:spcBef>
-              <a:spcAft>
-                <a:spcPct val="0"/>
-              </a:spcAft>
-              <a:buFont typeface="Arial" pitchFamily="34" charset="0"/>
-              <a:buChar char="•"/>
-            </a:pPr>
+              <a:t>The first block is an I2C boot parameter table, which sets the core clock and the address of the next block.</a:t>
+            </a:r>
+          </a:p>
+          <a:p>
             <a:r>
               <a:rPr lang="en-US" sz="2400" dirty="0" smtClean="0"/>
-              <a:t>In this case, the I2C boot starts with an I2C boot parameter table which in turn loads a custom updated parameter table for a specific boot mode. </a:t>
-            </a:r>
-          </a:p>
-          <a:p>
-            <a:pPr marL="342900" indent="-342900" eaLnBrk="0" fontAlgn="base" hangingPunct="0">
-              <a:spcBef>
-                <a:spcPct val="20000"/>
-              </a:spcBef>
-              <a:spcAft>
-                <a:spcPct val="0"/>
-              </a:spcAft>
-              <a:buFont typeface="Arial" pitchFamily="34" charset="0"/>
-              <a:buChar char="•"/>
-            </a:pPr>
-            <a:endParaRPr lang="en-US" sz="2400" dirty="0" smtClean="0"/>
-          </a:p>
-          <a:p>
-            <a:pPr marL="342900" indent="-342900" eaLnBrk="0" fontAlgn="base" hangingPunct="0">
-              <a:spcBef>
-                <a:spcPct val="20000"/>
-              </a:spcBef>
-              <a:spcAft>
-                <a:spcPct val="0"/>
-              </a:spcAft>
-              <a:buFont typeface="Arial" pitchFamily="34" charset="0"/>
-              <a:buChar char="•"/>
-            </a:pPr>
+              <a:t>The next block includes the requested boot mode-specific boot parameter table with user-specified values.</a:t>
+            </a:r>
+          </a:p>
+          <a:p>
             <a:r>
               <a:rPr lang="en-US" sz="2400" dirty="0" smtClean="0"/>
-              <a:t>Once the default parameter table is updated, the boot code executes using the updated boot parameter structure, following the same process as the primary boot mode.</a:t>
+              <a:t>After loading this image, the boot mode in the boot strap is set for I2C master boot.</a:t>
+            </a:r>
+          </a:p>
+          <a:p>
+            <a:r>
+              <a:rPr lang="en-US" sz="2400" dirty="0" smtClean="0"/>
+              <a:t>After POR, the I2C boot code is executed as a first-stage boot load, which updates the default boot parameter table and re-enters the boot code, executing the boot code utilizing the user-specific parameters.</a:t>
             </a:r>
           </a:p>
         </p:txBody>
@@ -31470,7 +31399,7 @@
       </p:grpSpPr>
       <p:sp>
         <p:nvSpPr>
-          <p:cNvPr id="31746" name="Title 1"/>
+          <p:cNvPr id="2" name="Title 1"/>
           <p:cNvSpPr>
             <a:spLocks noGrp="1"/>
           </p:cNvSpPr>
@@ -31485,14 +31414,15 @@
           <a:p>
             <a:r>
               <a:rPr lang="en-US" dirty="0" smtClean="0"/>
-              <a:t>Second Stage Boot Load Specifics</a:t>
-            </a:r>
+              <a:t>Intermediate Boot Loader (IBL)</a:t>
+            </a:r>
+            <a:endParaRPr lang="en-US" dirty="0"/>
           </a:p>
         </p:txBody>
       </p:sp>
       <p:sp>
         <p:nvSpPr>
-          <p:cNvPr id="31747" name="Text Placeholder 2"/>
+          <p:cNvPr id="3" name="Text Placeholder 2"/>
           <p:cNvSpPr>
             <a:spLocks noGrp="1"/>
           </p:cNvSpPr>
@@ -31502,8 +31432,8 @@
         </p:nvSpPr>
         <p:spPr>
           <a:xfrm>
-            <a:off x="333375" y="1185863"/>
-            <a:ext cx="8383588" cy="4692650"/>
+            <a:off x="333375" y="1185862"/>
+            <a:ext cx="8505825" cy="5291137"/>
           </a:xfrm>
         </p:spPr>
         <p:txBody>
@@ -31511,37 +31441,60 @@
           <a:lstStyle/>
           <a:p>
             <a:r>
-              <a:rPr lang="en-US" sz="2400" dirty="0" smtClean="0"/>
-              <a:t>The loaded EEPROM image has two boot parameter table blocks.</a:t>
-            </a:r>
-          </a:p>
-          <a:p>
-            <a:r>
-              <a:rPr lang="en-US" sz="2400" dirty="0" smtClean="0"/>
-              <a:t>The first block is an I2C boot parameter table, which sets the core clock and the address of the next block.</a:t>
-            </a:r>
-          </a:p>
-          <a:p>
-            <a:r>
-              <a:rPr lang="en-US" sz="2400" dirty="0" smtClean="0"/>
-              <a:t>The next block includes the requested boot mode-specific boot parameter table with user-specified values.</a:t>
-            </a:r>
-          </a:p>
-          <a:p>
-            <a:r>
-              <a:rPr lang="en-US" sz="2400" dirty="0" smtClean="0"/>
-              <a:t>After loading this image, the boot mode in the boot strap is set for I2C master boot.</a:t>
-            </a:r>
-          </a:p>
-          <a:p>
-            <a:r>
-              <a:rPr lang="en-US" sz="2400" dirty="0" smtClean="0"/>
-              <a:t>After POR, the I2C boot code is executed as a first-stage boot load, which updates the default boot parameter table and re-enters the boot code, executing the boot code utilizing the user-specific parameters.</a:t>
-            </a:r>
+              <a:rPr lang="en-US" sz="2800" dirty="0" smtClean="0"/>
+              <a:t>Originally created as a work-around for a PLL locking issue in the C667x PG1.0 version.</a:t>
+            </a:r>
+          </a:p>
+          <a:p>
+            <a:r>
+              <a:rPr lang="en-US" sz="2800" dirty="0" smtClean="0"/>
+              <a:t>Same process as second stage boot loading.</a:t>
+            </a:r>
+          </a:p>
+          <a:p>
+            <a:r>
+              <a:rPr lang="en-US" sz="2800" dirty="0" smtClean="0"/>
+              <a:t>Also provides additional boot features:</a:t>
+            </a:r>
+          </a:p>
+          <a:p>
+            <a:pPr lvl="1"/>
+            <a:r>
+              <a:rPr lang="en-US" dirty="0" smtClean="0"/>
+              <a:t>TFTP boot</a:t>
+            </a:r>
+          </a:p>
+          <a:p>
+            <a:pPr lvl="1"/>
+            <a:r>
+              <a:rPr lang="en-US" dirty="0" smtClean="0"/>
+              <a:t>NAND boot</a:t>
+            </a:r>
+          </a:p>
+          <a:p>
+            <a:pPr lvl="1"/>
+            <a:r>
+              <a:rPr lang="en-US" dirty="0" smtClean="0"/>
+              <a:t>NOR boot</a:t>
+            </a:r>
+          </a:p>
+          <a:p>
+            <a:r>
+              <a:rPr lang="en-US" sz="2800" dirty="0" smtClean="0"/>
+              <a:t>In the EVM, the FPGA is programmed to boot IBL, execute the PLL fix, and then jump right back to RBL for the set boot mode.</a:t>
+            </a:r>
+          </a:p>
+          <a:p>
+            <a:endParaRPr lang="en-US" dirty="0"/>
           </a:p>
         </p:txBody>
       </p:sp>
     </p:spTree>
+    <p:extLst>
+      <p:ext uri="{BB962C8B-B14F-4D97-AF65-F5344CB8AC3E}">
+        <p14:creationId xmlns:p14="http://schemas.microsoft.com/office/powerpoint/2010/main" xmlns="" val="2999717547"/>
+      </p:ext>
+    </p:extLst>
   </p:cSld>
   <p:clrMapOvr>
     <a:masterClrMapping/>
@@ -31575,7 +31528,7 @@
       </p:grpSpPr>
       <p:sp>
         <p:nvSpPr>
-          <p:cNvPr id="2" name="Title 1"/>
+          <p:cNvPr id="29698" name="Title 1"/>
           <p:cNvSpPr>
             <a:spLocks noGrp="1"/>
           </p:cNvSpPr>
@@ -31589,10 +31542,9 @@
           <a:lstStyle/>
           <a:p>
             <a:r>
-              <a:rPr lang="en-US" dirty="0" smtClean="0"/>
-              <a:t>Intermediate Boot Loader (IBL)</a:t>
-            </a:r>
-            <a:endParaRPr lang="en-US" dirty="0"/>
+              <a:rPr lang="en-US" sz="3600" dirty="0" smtClean="0"/>
+              <a:t>KeyStone I Booting Multiple Cores</a:t>
+            </a:r>
           </a:p>
         </p:txBody>
       </p:sp>
@@ -31608,8 +31560,8 @@
         </p:nvSpPr>
         <p:spPr>
           <a:xfrm>
-            <a:off x="333375" y="1185862"/>
-            <a:ext cx="8505825" cy="5291137"/>
+            <a:off x="333375" y="1185863"/>
+            <a:ext cx="8310563" cy="4692650"/>
           </a:xfrm>
         </p:spPr>
         <p:txBody>
@@ -31617,60 +31569,43 @@
           <a:lstStyle/>
           <a:p>
             <a:r>
-              <a:rPr lang="en-US" sz="2800" dirty="0" smtClean="0"/>
-              <a:t>Originally created as a work-around for a PLL locking issue in the C667x PG1.0 version.</a:t>
-            </a:r>
-          </a:p>
-          <a:p>
-            <a:r>
-              <a:rPr lang="en-US" sz="2800" dirty="0" smtClean="0"/>
-              <a:t>Same process as second stage boot loading.</a:t>
-            </a:r>
-          </a:p>
-          <a:p>
-            <a:r>
-              <a:rPr lang="en-US" sz="2800" dirty="0" smtClean="0"/>
-              <a:t>Also provides additional boot features:</a:t>
-            </a:r>
-          </a:p>
-          <a:p>
-            <a:pPr lvl="1"/>
-            <a:r>
-              <a:rPr lang="en-US" dirty="0" smtClean="0"/>
-              <a:t>TFTP boot</a:t>
-            </a:r>
-          </a:p>
-          <a:p>
-            <a:pPr lvl="1"/>
-            <a:r>
-              <a:rPr lang="en-US" dirty="0" smtClean="0"/>
-              <a:t>NAND boot</a:t>
-            </a:r>
-          </a:p>
-          <a:p>
-            <a:pPr lvl="1"/>
-            <a:r>
-              <a:rPr lang="en-US" dirty="0" smtClean="0"/>
-              <a:t>NOR boot</a:t>
-            </a:r>
-          </a:p>
-          <a:p>
-            <a:r>
-              <a:rPr lang="en-US" sz="2800" dirty="0" smtClean="0"/>
-              <a:t>In the EVM, the FPGA is programmed to boot IBL, execute the PLL fix, and then jump right back to RBL for the set boot mode.</a:t>
-            </a:r>
-          </a:p>
-          <a:p>
-            <a:endParaRPr lang="en-US" dirty="0"/>
+              <a:rPr lang="en-US" sz="2400" dirty="0" smtClean="0"/>
+              <a:t>During the boot process, the boot loader code is loaded into the L2 of CorePac 0 from the ROM.</a:t>
+            </a:r>
+          </a:p>
+          <a:p>
+            <a:r>
+              <a:rPr lang="en-US" sz="2400" dirty="0" smtClean="0"/>
+              <a:t>The high 0xD23F (52K)  bytes of L2 in all CorePacs are reserved for the boot code. User should not overwrite this area.</a:t>
+            </a:r>
+          </a:p>
+          <a:p>
+            <a:r>
+              <a:rPr lang="en-US" sz="2400" dirty="0" smtClean="0"/>
+              <a:t>All the other cores will execute an IDLE.</a:t>
+            </a:r>
+          </a:p>
+          <a:p>
+            <a:r>
+              <a:rPr lang="en-US" sz="2400" dirty="0" smtClean="0"/>
+              <a:t>User should load the image into the L2 of CorePacs they want to boot.</a:t>
+            </a:r>
+          </a:p>
+          <a:p>
+            <a:r>
+              <a:rPr lang="en-US" sz="2400" dirty="0" smtClean="0"/>
+              <a:t>Before setting the Boot Complete register, the user should also set the start address of the code in the respective BOOT MAGIC ADDRESS of the CorePac L2.</a:t>
+            </a:r>
+          </a:p>
+          <a:p>
+            <a:r>
+              <a:rPr lang="en-US" sz="2400" dirty="0" smtClean="0"/>
+              <a:t>Finally, the user image should also write the IPC Interrupt register to bring the required CorePacs out of IDLE.</a:t>
+            </a:r>
           </a:p>
         </p:txBody>
       </p:sp>
     </p:spTree>
-    <p:extLst>
-      <p:ext uri="{BB962C8B-B14F-4D97-AF65-F5344CB8AC3E}">
-        <p14:creationId xmlns="" xmlns:p14="http://schemas.microsoft.com/office/powerpoint/2010/main" val="2999717547"/>
-      </p:ext>
-    </p:extLst>
   </p:cSld>
   <p:clrMapOvr>
     <a:masterClrMapping/>
@@ -31704,7 +31639,7 @@
       </p:grpSpPr>
       <p:sp>
         <p:nvSpPr>
-          <p:cNvPr id="29698" name="Title 1"/>
+          <p:cNvPr id="2" name="Title 1"/>
           <p:cNvSpPr>
             <a:spLocks noGrp="1"/>
           </p:cNvSpPr>
@@ -31719,8 +31654,9 @@
           <a:p>
             <a:r>
               <a:rPr lang="en-US" sz="3600" dirty="0" smtClean="0"/>
-              <a:t>KeyStone I Booting Multiple Cores</a:t>
-            </a:r>
+              <a:t>KeyStone II Booting Multiple cores</a:t>
+            </a:r>
+            <a:endParaRPr lang="en-US" sz="3600" dirty="0"/>
           </a:p>
         </p:txBody>
       </p:sp>
@@ -31737,7 +31673,7 @@
         <p:spPr>
           <a:xfrm>
             <a:off x="333375" y="1185863"/>
-            <a:ext cx="8310563" cy="4692650"/>
+            <a:ext cx="7972425" cy="4692650"/>
           </a:xfrm>
         </p:spPr>
         <p:txBody>
@@ -31746,42 +31682,84 @@
           <a:p>
             <a:r>
               <a:rPr lang="en-US" sz="2400" dirty="0" smtClean="0"/>
-              <a:t>During the boot process, the boot loader code is loaded into the L2 of CorePac 0 from the ROM.</a:t>
+              <a:t>ARM core0 is the master core.</a:t>
             </a:r>
           </a:p>
           <a:p>
             <a:r>
               <a:rPr lang="en-US" sz="2400" dirty="0" smtClean="0"/>
-              <a:t>The high 0xD23F (52K)  bytes of L2 in all CorePacs are reserved for the boot code. User should not overwrite this area.</a:t>
+              <a:t>During the boot process the other ARM cores if available are shut down.</a:t>
             </a:r>
           </a:p>
           <a:p>
             <a:r>
               <a:rPr lang="en-US" sz="2400" dirty="0" smtClean="0"/>
-              <a:t>All the other cores will execute an IDLE.</a:t>
-            </a:r>
-          </a:p>
-          <a:p>
+              <a:t>The application that is running in ARM core0 needs to update the ARM magic address and then </a:t>
+            </a:r>
+            <a:r>
+              <a:rPr lang="en-US" sz="2400" dirty="0"/>
+              <a:t>power up the other ARM cores in the </a:t>
+            </a:r>
             <a:r>
               <a:rPr lang="en-US" sz="2400" dirty="0" smtClean="0"/>
-              <a:t>User should load the image into the L2 of CorePacs they want to boot.</a:t>
+              <a:t>tetras. </a:t>
             </a:r>
           </a:p>
           <a:p>
             <a:r>
               <a:rPr lang="en-US" sz="2400" dirty="0" smtClean="0"/>
-              <a:t>Before setting the Boot Complete register, the user should also set the start address of the code in the respective BOOT MAGIC ADDRESS of the CorePac L2.</a:t>
+              <a:t>Once powered up the other ARM cores will start executing from the address specified in the ARM magic address</a:t>
             </a:r>
           </a:p>
           <a:p>
             <a:r>
               <a:rPr lang="en-US" sz="2400" dirty="0" smtClean="0"/>
-              <a:t>Finally, the user image should also write the IPC Interrupt register to bring the required CorePacs out of IDLE.</a:t>
-            </a:r>
+              <a:t>To boot the DSP cores, MPM utility is used</a:t>
+            </a:r>
+          </a:p>
+          <a:p>
+            <a:pPr lvl="1"/>
+            <a:r>
+              <a:rPr lang="en-US" sz="2000" dirty="0" smtClean="0"/>
+              <a:t>The </a:t>
+            </a:r>
+            <a:r>
+              <a:rPr lang="en-US" sz="2000" b="1" i="1" dirty="0" smtClean="0"/>
+              <a:t>multi-proc manager</a:t>
+            </a:r>
+            <a:r>
+              <a:rPr lang="en-US" sz="2000" dirty="0" smtClean="0"/>
+              <a:t> (</a:t>
+            </a:r>
+            <a:r>
+              <a:rPr lang="en-US" sz="2000" b="1" i="1" dirty="0" smtClean="0"/>
+              <a:t>MPM</a:t>
+            </a:r>
+            <a:r>
+              <a:rPr lang="en-US" sz="2000" dirty="0" smtClean="0"/>
+              <a:t>) provides services to load, run, and manage slave </a:t>
+            </a:r>
+            <a:r>
+              <a:rPr lang="en-US" sz="2000" dirty="0" smtClean="0"/>
+              <a:t>processors</a:t>
+            </a:r>
+          </a:p>
+          <a:p>
+            <a:pPr lvl="1"/>
+            <a:r>
+              <a:rPr lang="en-US" sz="2000" dirty="0" smtClean="0"/>
+              <a:t>MPM must be used to load the DSP code if IPCv3 is used</a:t>
+            </a:r>
+            <a:endParaRPr lang="en-US" sz="2000" dirty="0"/>
           </a:p>
         </p:txBody>
       </p:sp>
     </p:spTree>
+    <p:extLst>
+      <p:ext uri="{BB962C8B-B14F-4D97-AF65-F5344CB8AC3E}">
+        <p14:creationId xmlns:p14="http://schemas.microsoft.com/office/powerpoint/2010/main" xmlns="" val="1896265854"/>
+      </p:ext>
+    </p:extLst>
   </p:cSld>
   <p:clrMapOvr>
     <a:masterClrMapping/>
@@ -31830,7 +31808,7 @@
           <a:p>
             <a:r>
               <a:rPr lang="en-US" sz="3600" dirty="0" smtClean="0"/>
-              <a:t>KeyStone II Booting Multiple cores</a:t>
+              <a:t>U-BOOT (1/2)</a:t>
             </a:r>
             <a:endParaRPr lang="en-US" sz="3600" dirty="0"/>
           </a:p>
@@ -31857,77 +31835,53 @@
           <a:lstStyle/>
           <a:p>
             <a:r>
+              <a:rPr lang="en-US" sz="2800" dirty="0" smtClean="0"/>
+              <a:t>U-BOOT is an open source cross-platform boot loader application that facilitate loading images and more</a:t>
+            </a:r>
+          </a:p>
+          <a:p>
+            <a:r>
+              <a:rPr lang="en-US" sz="2800" dirty="0" smtClean="0"/>
+              <a:t>In addition to configure the hardware, the U-BOOT enables the user to </a:t>
+            </a:r>
+          </a:p>
+          <a:p>
+            <a:pPr lvl="1"/>
+            <a:r>
               <a:rPr lang="en-US" sz="2400" dirty="0" smtClean="0"/>
-              <a:t>ARM core0 is the master core.</a:t>
-            </a:r>
-          </a:p>
-          <a:p>
+              <a:t>read and write arbitrary memory location </a:t>
+            </a:r>
+          </a:p>
+          <a:p>
+            <a:pPr lvl="1"/>
             <a:r>
               <a:rPr lang="en-US" sz="2400" dirty="0" smtClean="0"/>
-              <a:t>During the boot process the other ARM cores if available are shut down.</a:t>
-            </a:r>
-          </a:p>
-          <a:p>
+              <a:t>loading image into RAM</a:t>
+            </a:r>
+          </a:p>
+          <a:p>
+            <a:pPr lvl="1"/>
             <a:r>
               <a:rPr lang="en-US" sz="2400" dirty="0" smtClean="0"/>
-              <a:t>The application that is running in ARM core0 needs to update the ARM magic address and then </a:t>
-            </a:r>
-            <a:r>
-              <a:rPr lang="en-US" sz="2400" dirty="0"/>
-              <a:t>power up the other ARM cores in the </a:t>
-            </a:r>
+              <a:t>Copying data into the flash</a:t>
+            </a:r>
+          </a:p>
+          <a:p>
+            <a:pPr lvl="1"/>
             <a:r>
               <a:rPr lang="en-US" sz="2400" dirty="0" smtClean="0"/>
-              <a:t>tetras. </a:t>
-            </a:r>
-          </a:p>
-          <a:p>
-            <a:r>
-              <a:rPr lang="en-US" sz="2400" dirty="0" smtClean="0"/>
-              <a:t>Once powered up the other ARM cores will start executing from the address specified in the ARM magic </a:t>
-            </a:r>
-            <a:r>
-              <a:rPr lang="en-US" sz="2400" dirty="0" smtClean="0"/>
-              <a:t>address</a:t>
-            </a:r>
-            <a:endParaRPr lang="en-US" sz="2400" dirty="0" smtClean="0"/>
-          </a:p>
-          <a:p>
-            <a:r>
-              <a:rPr lang="en-US" sz="2400" dirty="0" smtClean="0"/>
-              <a:t>To boot the DSP cores, MPM utility is used</a:t>
-            </a:r>
-          </a:p>
-          <a:p>
-            <a:pPr lvl="1"/>
-            <a:r>
-              <a:rPr lang="en-US" sz="2000" dirty="0" smtClean="0"/>
-              <a:t>The </a:t>
-            </a:r>
-            <a:r>
-              <a:rPr lang="en-US" sz="2000" b="1" i="1" dirty="0" smtClean="0"/>
-              <a:t>multi-proc manager</a:t>
-            </a:r>
-            <a:r>
-              <a:rPr lang="en-US" sz="2000" dirty="0" smtClean="0"/>
-              <a:t> (</a:t>
-            </a:r>
-            <a:r>
-              <a:rPr lang="en-US" sz="2000" b="1" i="1" dirty="0" smtClean="0"/>
-              <a:t>MPM</a:t>
-            </a:r>
-            <a:r>
-              <a:rPr lang="en-US" sz="2000" dirty="0" smtClean="0"/>
-              <a:t>) provides services to load, run, and manage slave processors</a:t>
-            </a:r>
-            <a:endParaRPr lang="en-US" sz="2000" dirty="0"/>
+              <a:t>Provide starting address for the code</a:t>
+            </a:r>
+          </a:p>
+          <a:p>
+            <a:endParaRPr lang="en-US" sz="2800" dirty="0"/>
           </a:p>
         </p:txBody>
       </p:sp>
     </p:spTree>
     <p:extLst>
       <p:ext uri="{BB962C8B-B14F-4D97-AF65-F5344CB8AC3E}">
-        <p14:creationId xmlns="" xmlns:p14="http://schemas.microsoft.com/office/powerpoint/2010/main" val="1896265854"/>
+        <p14:creationId xmlns:p14="http://schemas.microsoft.com/office/powerpoint/2010/main" xmlns="" val="1896265854"/>
       </p:ext>
     </p:extLst>
   </p:cSld>
@@ -31978,130 +31932,6 @@
           <a:p>
             <a:r>
               <a:rPr lang="en-US" sz="3600" dirty="0" smtClean="0"/>
-              <a:t>U-BOOT (1/2)</a:t>
-            </a:r>
-            <a:endParaRPr lang="en-US" sz="3600" dirty="0"/>
-          </a:p>
-        </p:txBody>
-      </p:sp>
-      <p:sp>
-        <p:nvSpPr>
-          <p:cNvPr id="3" name="Text Placeholder 2"/>
-          <p:cNvSpPr>
-            <a:spLocks noGrp="1"/>
-          </p:cNvSpPr>
-          <p:nvPr>
-            <p:ph type="body" sz="half" idx="1"/>
-          </p:nvPr>
-        </p:nvSpPr>
-        <p:spPr>
-          <a:xfrm>
-            <a:off x="333375" y="1185863"/>
-            <a:ext cx="7972425" cy="4692650"/>
-          </a:xfrm>
-        </p:spPr>
-        <p:txBody>
-          <a:bodyPr/>
-          <a:lstStyle/>
-          <a:p>
-            <a:r>
-              <a:rPr lang="en-US" sz="2800" dirty="0" smtClean="0"/>
-              <a:t>U-BOOT is an open source cross-platform boot loader application that facilitate loading images and more</a:t>
-            </a:r>
-          </a:p>
-          <a:p>
-            <a:r>
-              <a:rPr lang="en-US" sz="2800" dirty="0" smtClean="0"/>
-              <a:t>In addition to configure the hardware, the U-BOOT enables the user to </a:t>
-            </a:r>
-          </a:p>
-          <a:p>
-            <a:pPr lvl="1"/>
-            <a:r>
-              <a:rPr lang="en-US" sz="2400" dirty="0" smtClean="0"/>
-              <a:t>read and write arbitrary memory location </a:t>
-            </a:r>
-          </a:p>
-          <a:p>
-            <a:pPr lvl="1"/>
-            <a:r>
-              <a:rPr lang="en-US" sz="2400" dirty="0" smtClean="0"/>
-              <a:t>loading image into RAM</a:t>
-            </a:r>
-          </a:p>
-          <a:p>
-            <a:pPr lvl="1"/>
-            <a:r>
-              <a:rPr lang="en-US" sz="2400" dirty="0" smtClean="0"/>
-              <a:t>Copying data into the flash</a:t>
-            </a:r>
-          </a:p>
-          <a:p>
-            <a:pPr lvl="1"/>
-            <a:r>
-              <a:rPr lang="en-US" sz="2400" dirty="0" smtClean="0"/>
-              <a:t>Provide starting address for the code</a:t>
-            </a:r>
-          </a:p>
-          <a:p>
-            <a:endParaRPr lang="en-US" sz="2800" dirty="0"/>
-          </a:p>
-        </p:txBody>
-      </p:sp>
-    </p:spTree>
-    <p:extLst>
-      <p:ext uri="{BB962C8B-B14F-4D97-AF65-F5344CB8AC3E}">
-        <p14:creationId xmlns="" xmlns:p14="http://schemas.microsoft.com/office/powerpoint/2010/main" val="1896265854"/>
-      </p:ext>
-    </p:extLst>
-  </p:cSld>
-  <p:clrMapOvr>
-    <a:masterClrMapping/>
-  </p:clrMapOvr>
-  <p:timing>
-    <p:tnLst>
-      <p:par>
-        <p:cTn id="1" dur="indefinite" restart="never" nodeType="tmRoot"/>
-      </p:par>
-    </p:tnLst>
-  </p:timing>
-</p:sld>
-</file>
-
-<file path=ppt/slides/slide56.xml><?xml version="1.0" encoding="utf-8"?>
-<p:sld xmlns:a="http://schemas.openxmlformats.org/drawingml/2006/main" xmlns:r="http://schemas.openxmlformats.org/officeDocument/2006/relationships" xmlns:p="http://schemas.openxmlformats.org/presentationml/2006/main">
-  <p:cSld>
-    <p:spTree>
-      <p:nvGrpSpPr>
-        <p:cNvPr id="1" name=""/>
-        <p:cNvGrpSpPr/>
-        <p:nvPr/>
-      </p:nvGrpSpPr>
-      <p:grpSpPr>
-        <a:xfrm>
-          <a:off x="0" y="0"/>
-          <a:ext cx="0" cy="0"/>
-          <a:chOff x="0" y="0"/>
-          <a:chExt cx="0" cy="0"/>
-        </a:xfrm>
-      </p:grpSpPr>
-      <p:sp>
-        <p:nvSpPr>
-          <p:cNvPr id="2" name="Title 1"/>
-          <p:cNvSpPr>
-            <a:spLocks noGrp="1"/>
-          </p:cNvSpPr>
-          <p:nvPr>
-            <p:ph type="title"/>
-          </p:nvPr>
-        </p:nvSpPr>
-        <p:spPr/>
-        <p:txBody>
-          <a:bodyPr/>
-          <a:lstStyle/>
-          <a:p>
-            <a:r>
-              <a:rPr lang="en-US" sz="3600" dirty="0" smtClean="0"/>
               <a:t>U_BOOT (2/2)</a:t>
             </a:r>
             <a:endParaRPr lang="en-US" sz="3600" dirty="0"/>
@@ -32178,7 +32008,7 @@
     </p:spTree>
     <p:extLst>
       <p:ext uri="{BB962C8B-B14F-4D97-AF65-F5344CB8AC3E}">
-        <p14:creationId xmlns="" xmlns:p14="http://schemas.microsoft.com/office/powerpoint/2010/main" val="1896265854"/>
+        <p14:creationId xmlns:p14="http://schemas.microsoft.com/office/powerpoint/2010/main" xmlns="" val="1896265854"/>
       </p:ext>
     </p:extLst>
   </p:cSld>
@@ -32195,7 +32025,7 @@
 </p:sld>
 </file>
 
-<file path=ppt/slides/slide57.xml><?xml version="1.0" encoding="utf-8"?>
+<file path=ppt/slides/slide56.xml><?xml version="1.0" encoding="utf-8"?>
 <p:sld xmlns:a="http://schemas.openxmlformats.org/drawingml/2006/main" xmlns:r="http://schemas.openxmlformats.org/officeDocument/2006/relationships" xmlns:p="http://schemas.openxmlformats.org/presentationml/2006/main">
   <p:cSld>
     <p:spTree>
@@ -33267,7 +33097,7 @@
 </p:sld>
 </file>
 
-<file path=ppt/slides/slide58.xml><?xml version="1.0" encoding="utf-8"?>
+<file path=ppt/slides/slide57.xml><?xml version="1.0" encoding="utf-8"?>
 <p:sld xmlns:a="http://schemas.openxmlformats.org/drawingml/2006/main" xmlns:r="http://schemas.openxmlformats.org/officeDocument/2006/relationships" xmlns:p="http://schemas.openxmlformats.org/presentationml/2006/main">
   <p:cSld>
     <p:spTree>
@@ -33341,7 +33171,7 @@
 </p:sld>
 </file>
 
-<file path=ppt/slides/slide59.xml><?xml version="1.0" encoding="utf-8"?>
+<file path=ppt/slides/slide58.xml><?xml version="1.0" encoding="utf-8"?>
 <p:sld xmlns:a="http://schemas.openxmlformats.org/drawingml/2006/main" xmlns:r="http://schemas.openxmlformats.org/officeDocument/2006/relationships" xmlns:p="http://schemas.openxmlformats.org/presentationml/2006/main">
   <p:cSld>
     <p:spTree>
@@ -33386,6 +33216,163 @@
   <p:clrMapOvr>
     <a:masterClrMapping/>
   </p:clrMapOvr>
+</p:sld>
+</file>
+
+<file path=ppt/slides/slide59.xml><?xml version="1.0" encoding="utf-8"?>
+<p:sld xmlns:a="http://schemas.openxmlformats.org/drawingml/2006/main" xmlns:r="http://schemas.openxmlformats.org/officeDocument/2006/relationships" xmlns:p="http://schemas.openxmlformats.org/presentationml/2006/main">
+  <p:cSld>
+    <p:spTree>
+      <p:nvGrpSpPr>
+        <p:cNvPr id="1" name=""/>
+        <p:cNvGrpSpPr/>
+        <p:nvPr/>
+      </p:nvGrpSpPr>
+      <p:grpSpPr>
+        <a:xfrm>
+          <a:off x="0" y="0"/>
+          <a:ext cx="0" cy="0"/>
+          <a:chOff x="0" y="0"/>
+          <a:chExt cx="0" cy="0"/>
+        </a:xfrm>
+      </p:grpSpPr>
+      <p:sp>
+        <p:nvSpPr>
+          <p:cNvPr id="12290" name="Title 1"/>
+          <p:cNvSpPr>
+            <a:spLocks noGrp="1"/>
+          </p:cNvSpPr>
+          <p:nvPr>
+            <p:ph type="title"/>
+          </p:nvPr>
+        </p:nvSpPr>
+        <p:spPr/>
+        <p:txBody>
+          <a:bodyPr/>
+          <a:lstStyle/>
+          <a:p>
+            <a:pPr eaLnBrk="1" hangingPunct="1"/>
+            <a:r>
+              <a:rPr lang="en-US" dirty="0" smtClean="0"/>
+              <a:t>Hibernation</a:t>
+            </a:r>
+          </a:p>
+        </p:txBody>
+      </p:sp>
+      <p:sp>
+        <p:nvSpPr>
+          <p:cNvPr id="12291" name="Content Placeholder 2"/>
+          <p:cNvSpPr>
+            <a:spLocks noGrp="1"/>
+          </p:cNvSpPr>
+          <p:nvPr>
+            <p:ph idx="1"/>
+          </p:nvPr>
+        </p:nvSpPr>
+        <p:spPr/>
+        <p:txBody>
+          <a:bodyPr/>
+          <a:lstStyle/>
+          <a:p>
+            <a:pPr eaLnBrk="1" hangingPunct="1"/>
+            <a:r>
+              <a:rPr lang="en-US" sz="1800" dirty="0" smtClean="0"/>
+              <a:t>Hibernation 1</a:t>
+            </a:r>
+          </a:p>
+          <a:p>
+            <a:pPr lvl="1" eaLnBrk="1" hangingPunct="1"/>
+            <a:r>
+              <a:rPr lang="en-US" sz="1800" dirty="0" smtClean="0"/>
+              <a:t>The application needs to ensure that the chip control register is set correctly to avoid MSMC reset. </a:t>
+            </a:r>
+          </a:p>
+          <a:p>
+            <a:pPr eaLnBrk="1" hangingPunct="1"/>
+            <a:r>
+              <a:rPr lang="en-US" sz="1800" dirty="0" smtClean="0"/>
+              <a:t>Hibernation 2</a:t>
+            </a:r>
+          </a:p>
+          <a:p>
+            <a:pPr lvl="1" eaLnBrk="1" hangingPunct="1"/>
+            <a:r>
+              <a:rPr lang="en-US" sz="1800" dirty="0" smtClean="0"/>
+              <a:t>MSMC is reinitialized to default values.</a:t>
+            </a:r>
+          </a:p>
+          <a:p>
+            <a:pPr eaLnBrk="1" hangingPunct="1"/>
+            <a:r>
+              <a:rPr lang="en-US" sz="1800" dirty="0" smtClean="0"/>
+              <a:t>For both modes, the Application is responsible for shutdown of all desired IP blocks. </a:t>
+            </a:r>
+          </a:p>
+          <a:p>
+            <a:pPr eaLnBrk="1" hangingPunct="1"/>
+            <a:r>
+              <a:rPr lang="en-US" sz="1800" dirty="0" smtClean="0"/>
+              <a:t>A hard or soft reset can be configured to bring  a hibernating device out of hibernation</a:t>
+            </a:r>
+          </a:p>
+          <a:p>
+            <a:pPr lvl="1" eaLnBrk="1" hangingPunct="1"/>
+            <a:r>
+              <a:rPr lang="en-US" sz="1800" dirty="0" smtClean="0"/>
+              <a:t>After the reset, the boot loader code checks the PWRSTATECTL register to identify the hibernation mode and branch address and </a:t>
+            </a:r>
+            <a:r>
+              <a:rPr lang="en-US" sz="1800" b="1" dirty="0" smtClean="0"/>
+              <a:t>recovery master</a:t>
+            </a:r>
+            <a:r>
+              <a:rPr lang="en-US" sz="1800" dirty="0" smtClean="0"/>
+              <a:t>. </a:t>
+            </a:r>
+          </a:p>
+          <a:p>
+            <a:pPr lvl="1" eaLnBrk="1" hangingPunct="1"/>
+            <a:r>
+              <a:rPr lang="en-US" sz="1800" dirty="0" smtClean="0"/>
+              <a:t>Subsequent Actions</a:t>
+            </a:r>
+          </a:p>
+          <a:p>
+            <a:pPr lvl="2" eaLnBrk="1" hangingPunct="1"/>
+            <a:r>
+              <a:rPr lang="en-US" sz="1800" dirty="0" smtClean="0"/>
+              <a:t>Peripherals and CorePacs are powered</a:t>
+            </a:r>
+          </a:p>
+          <a:p>
+            <a:pPr lvl="2" eaLnBrk="1" hangingPunct="1"/>
+            <a:r>
+              <a:rPr lang="en-US" sz="1800" dirty="0" smtClean="0"/>
+              <a:t>The awakened device branches to the application code which utilizes the values stored in MSMC or DDR3 prior to hibernation and the recovery master starts the recovery process.</a:t>
+            </a:r>
+          </a:p>
+        </p:txBody>
+      </p:sp>
+    </p:spTree>
+  </p:cSld>
+  <p:clrMapOvr>
+    <a:masterClrMapping/>
+  </p:clrMapOvr>
+  <mc:AlternateContent xmlns:mc="http://schemas.openxmlformats.org/markup-compatibility/2006">
+    <mc:Choice xmlns:p14="http://schemas.microsoft.com/office/powerpoint/2010/main" xmlns="" Requires="p14">
+      <p:transition spd="slow" p14:dur="2000"/>
+    </mc:Choice>
+    <mc:Fallback>
+      <p:transition spd="slow"/>
+    </mc:Fallback>
+  </mc:AlternateContent>
+  <p:timing>
+    <p:tnLst>
+      <p:par>
+        <p:cTn id="1" dur="indefinite" restart="never" nodeType="tmRoot"/>
+      </p:par>
+    </p:tnLst>
+  </p:timing>
 </p:sld>
 </file>
 
@@ -33607,163 +33594,6 @@
   <p:clrMapOvr>
     <a:masterClrMapping/>
   </p:clrMapOvr>
-  <p:timing>
-    <p:tnLst>
-      <p:par>
-        <p:cTn id="1" dur="indefinite" restart="never" nodeType="tmRoot"/>
-      </p:par>
-    </p:tnLst>
-  </p:timing>
-</p:sld>
-</file>
-
-<file path=ppt/slides/slide60.xml><?xml version="1.0" encoding="utf-8"?>
-<p:sld xmlns:a="http://schemas.openxmlformats.org/drawingml/2006/main" xmlns:r="http://schemas.openxmlformats.org/officeDocument/2006/relationships" xmlns:p="http://schemas.openxmlformats.org/presentationml/2006/main">
-  <p:cSld>
-    <p:spTree>
-      <p:nvGrpSpPr>
-        <p:cNvPr id="1" name=""/>
-        <p:cNvGrpSpPr/>
-        <p:nvPr/>
-      </p:nvGrpSpPr>
-      <p:grpSpPr>
-        <a:xfrm>
-          <a:off x="0" y="0"/>
-          <a:ext cx="0" cy="0"/>
-          <a:chOff x="0" y="0"/>
-          <a:chExt cx="0" cy="0"/>
-        </a:xfrm>
-      </p:grpSpPr>
-      <p:sp>
-        <p:nvSpPr>
-          <p:cNvPr id="12290" name="Title 1"/>
-          <p:cNvSpPr>
-            <a:spLocks noGrp="1"/>
-          </p:cNvSpPr>
-          <p:nvPr>
-            <p:ph type="title"/>
-          </p:nvPr>
-        </p:nvSpPr>
-        <p:spPr/>
-        <p:txBody>
-          <a:bodyPr/>
-          <a:lstStyle/>
-          <a:p>
-            <a:pPr eaLnBrk="1" hangingPunct="1"/>
-            <a:r>
-              <a:rPr lang="en-US" dirty="0" smtClean="0"/>
-              <a:t>Hibernation</a:t>
-            </a:r>
-          </a:p>
-        </p:txBody>
-      </p:sp>
-      <p:sp>
-        <p:nvSpPr>
-          <p:cNvPr id="12291" name="Content Placeholder 2"/>
-          <p:cNvSpPr>
-            <a:spLocks noGrp="1"/>
-          </p:cNvSpPr>
-          <p:nvPr>
-            <p:ph idx="1"/>
-          </p:nvPr>
-        </p:nvSpPr>
-        <p:spPr/>
-        <p:txBody>
-          <a:bodyPr/>
-          <a:lstStyle/>
-          <a:p>
-            <a:pPr eaLnBrk="1" hangingPunct="1"/>
-            <a:r>
-              <a:rPr lang="en-US" sz="1800" dirty="0" smtClean="0"/>
-              <a:t>Hibernation 1</a:t>
-            </a:r>
-          </a:p>
-          <a:p>
-            <a:pPr lvl="1" eaLnBrk="1" hangingPunct="1"/>
-            <a:r>
-              <a:rPr lang="en-US" sz="1800" dirty="0" smtClean="0"/>
-              <a:t>The application needs to ensure that the chip control register is set correctly to avoid MSMC reset. </a:t>
-            </a:r>
-          </a:p>
-          <a:p>
-            <a:pPr eaLnBrk="1" hangingPunct="1"/>
-            <a:r>
-              <a:rPr lang="en-US" sz="1800" dirty="0" smtClean="0"/>
-              <a:t>Hibernation 2</a:t>
-            </a:r>
-          </a:p>
-          <a:p>
-            <a:pPr lvl="1" eaLnBrk="1" hangingPunct="1"/>
-            <a:r>
-              <a:rPr lang="en-US" sz="1800" dirty="0" smtClean="0"/>
-              <a:t>MSMC is reinitialized to default values.</a:t>
-            </a:r>
-          </a:p>
-          <a:p>
-            <a:pPr eaLnBrk="1" hangingPunct="1"/>
-            <a:r>
-              <a:rPr lang="en-US" sz="1800" dirty="0" smtClean="0"/>
-              <a:t>For both modes, the Application is responsible for shutdown of all desired IP blocks. </a:t>
-            </a:r>
-          </a:p>
-          <a:p>
-            <a:pPr eaLnBrk="1" hangingPunct="1"/>
-            <a:r>
-              <a:rPr lang="en-US" sz="1800" dirty="0" smtClean="0"/>
-              <a:t>A hard or soft reset can be configured to bring  a hibernating device out of hibernation</a:t>
-            </a:r>
-          </a:p>
-          <a:p>
-            <a:pPr lvl="1" eaLnBrk="1" hangingPunct="1"/>
-            <a:r>
-              <a:rPr lang="en-US" sz="1800" dirty="0" smtClean="0"/>
-              <a:t>After the reset, the boot loader code checks the PWRSTATECTL register to identify the hibernation mode and branch address and </a:t>
-            </a:r>
-            <a:r>
-              <a:rPr lang="en-US" sz="1800" b="1" dirty="0" smtClean="0"/>
-              <a:t>recovery master</a:t>
-            </a:r>
-            <a:r>
-              <a:rPr lang="en-US" sz="1800" dirty="0" smtClean="0"/>
-              <a:t>. </a:t>
-            </a:r>
-          </a:p>
-          <a:p>
-            <a:pPr lvl="1" eaLnBrk="1" hangingPunct="1"/>
-            <a:r>
-              <a:rPr lang="en-US" sz="1800" dirty="0" smtClean="0"/>
-              <a:t>Subsequent Actions</a:t>
-            </a:r>
-          </a:p>
-          <a:p>
-            <a:pPr lvl="2" eaLnBrk="1" hangingPunct="1"/>
-            <a:r>
-              <a:rPr lang="en-US" sz="1800" dirty="0" smtClean="0"/>
-              <a:t>Peripherals and CorePacs are powered</a:t>
-            </a:r>
-          </a:p>
-          <a:p>
-            <a:pPr lvl="2" eaLnBrk="1" hangingPunct="1"/>
-            <a:r>
-              <a:rPr lang="en-US" sz="1800" dirty="0" smtClean="0"/>
-              <a:t>The awakened device branches to the application code which utilizes the values stored in MSMC or DDR3 prior to hibernation and the recovery master starts the recovery process.</a:t>
-            </a:r>
-          </a:p>
-        </p:txBody>
-      </p:sp>
-    </p:spTree>
-  </p:cSld>
-  <p:clrMapOvr>
-    <a:masterClrMapping/>
-  </p:clrMapOvr>
-  <mc:AlternateContent xmlns:mc="http://schemas.openxmlformats.org/markup-compatibility/2006">
-    <mc:Choice xmlns="" xmlns:p14="http://schemas.microsoft.com/office/powerpoint/2010/main" Requires="p14">
-      <p:transition spd="slow" p14:dur="2000"/>
-    </mc:Choice>
-    <mc:Fallback>
-      <p:transition spd="slow"/>
-    </mc:Fallback>
-  </mc:AlternateContent>
   <p:timing>
     <p:tnLst>
       <p:par>
@@ -35178,7 +35008,7 @@
     </p:spTree>
     <p:extLst>
       <p:ext uri="{BB962C8B-B14F-4D97-AF65-F5344CB8AC3E}">
-        <p14:creationId xmlns="" xmlns:p14="http://schemas.microsoft.com/office/powerpoint/2010/main" val="2595644627"/>
+        <p14:creationId xmlns:p14="http://schemas.microsoft.com/office/powerpoint/2010/main" xmlns="" val="2595644627"/>
       </p:ext>
     </p:extLst>
   </p:cSld>
